--- a/presentations_proposals/20201101_summary_ppt.pptx
+++ b/presentations_proposals/20201101_summary_ppt.pptx
@@ -5,7 +5,7 @@
     <p:sldMasterId id="2147483648" r:id="rId1"/>
   </p:sldMasterIdLst>
   <p:notesMasterIdLst>
-    <p:notesMasterId r:id="rId16"/>
+    <p:notesMasterId r:id="rId20"/>
   </p:notesMasterIdLst>
   <p:sldIdLst>
     <p:sldId id="256" r:id="rId2"/>
@@ -22,6 +22,10 @@
     <p:sldId id="352" r:id="rId13"/>
     <p:sldId id="357" r:id="rId14"/>
     <p:sldId id="358" r:id="rId15"/>
+    <p:sldId id="361" r:id="rId16"/>
+    <p:sldId id="362" r:id="rId17"/>
+    <p:sldId id="359" r:id="rId18"/>
+    <p:sldId id="360" r:id="rId19"/>
   </p:sldIdLst>
   <p:sldSz cx="12192000" cy="6858000"/>
   <p:notesSz cx="6858000" cy="9144000"/>
@@ -210,7 +214,7 @@
           <a:p>
             <a:fld id="{E59AB5F3-042F-9C41-8735-1D6D416E90A8}" type="datetimeFigureOut">
               <a:rPr lang="en-US" smtClean="0"/>
-              <a:t>11/2/20</a:t>
+              <a:t>11/4/20</a:t>
             </a:fld>
             <a:endParaRPr lang="en-US"/>
           </a:p>
@@ -1213,7 +1217,7 @@
           <a:p>
             <a:fld id="{3B3400CD-7287-EA41-97B8-6C373A830532}" type="datetimeFigureOut">
               <a:rPr lang="en-US" smtClean="0"/>
-              <a:t>11/2/20</a:t>
+              <a:t>11/4/20</a:t>
             </a:fld>
             <a:endParaRPr lang="en-US"/>
           </a:p>
@@ -1411,7 +1415,7 @@
           <a:p>
             <a:fld id="{3B3400CD-7287-EA41-97B8-6C373A830532}" type="datetimeFigureOut">
               <a:rPr lang="en-US" smtClean="0"/>
-              <a:t>11/2/20</a:t>
+              <a:t>11/4/20</a:t>
             </a:fld>
             <a:endParaRPr lang="en-US"/>
           </a:p>
@@ -1619,7 +1623,7 @@
           <a:p>
             <a:fld id="{3B3400CD-7287-EA41-97B8-6C373A830532}" type="datetimeFigureOut">
               <a:rPr lang="en-US" smtClean="0"/>
-              <a:t>11/2/20</a:t>
+              <a:t>11/4/20</a:t>
             </a:fld>
             <a:endParaRPr lang="en-US"/>
           </a:p>
@@ -1825,7 +1829,7 @@
           <a:p>
             <a:fld id="{3B3400CD-7287-EA41-97B8-6C373A830532}" type="datetimeFigureOut">
               <a:rPr lang="en-US" smtClean="0"/>
-              <a:t>11/2/20</a:t>
+              <a:t>11/4/20</a:t>
             </a:fld>
             <a:endParaRPr lang="en-US"/>
           </a:p>
@@ -2100,7 +2104,7 @@
           <a:p>
             <a:fld id="{3B3400CD-7287-EA41-97B8-6C373A830532}" type="datetimeFigureOut">
               <a:rPr lang="en-US" smtClean="0"/>
-              <a:t>11/2/20</a:t>
+              <a:t>11/4/20</a:t>
             </a:fld>
             <a:endParaRPr lang="en-US"/>
           </a:p>
@@ -2365,7 +2369,7 @@
           <a:p>
             <a:fld id="{3B3400CD-7287-EA41-97B8-6C373A830532}" type="datetimeFigureOut">
               <a:rPr lang="en-US" smtClean="0"/>
-              <a:t>11/2/20</a:t>
+              <a:t>11/4/20</a:t>
             </a:fld>
             <a:endParaRPr lang="en-US"/>
           </a:p>
@@ -2777,7 +2781,7 @@
           <a:p>
             <a:fld id="{3B3400CD-7287-EA41-97B8-6C373A830532}" type="datetimeFigureOut">
               <a:rPr lang="en-US" smtClean="0"/>
-              <a:t>11/2/20</a:t>
+              <a:t>11/4/20</a:t>
             </a:fld>
             <a:endParaRPr lang="en-US"/>
           </a:p>
@@ -2918,7 +2922,7 @@
           <a:p>
             <a:fld id="{3B3400CD-7287-EA41-97B8-6C373A830532}" type="datetimeFigureOut">
               <a:rPr lang="en-US" smtClean="0"/>
-              <a:t>11/2/20</a:t>
+              <a:t>11/4/20</a:t>
             </a:fld>
             <a:endParaRPr lang="en-US"/>
           </a:p>
@@ -3031,7 +3035,7 @@
           <a:p>
             <a:fld id="{3B3400CD-7287-EA41-97B8-6C373A830532}" type="datetimeFigureOut">
               <a:rPr lang="en-US" smtClean="0"/>
-              <a:t>11/2/20</a:t>
+              <a:t>11/4/20</a:t>
             </a:fld>
             <a:endParaRPr lang="en-US"/>
           </a:p>
@@ -3342,7 +3346,7 @@
           <a:p>
             <a:fld id="{3B3400CD-7287-EA41-97B8-6C373A830532}" type="datetimeFigureOut">
               <a:rPr lang="en-US" smtClean="0"/>
-              <a:t>11/2/20</a:t>
+              <a:t>11/4/20</a:t>
             </a:fld>
             <a:endParaRPr lang="en-US"/>
           </a:p>
@@ -3633,7 +3637,7 @@
           <a:p>
             <a:fld id="{3B3400CD-7287-EA41-97B8-6C373A830532}" type="datetimeFigureOut">
               <a:rPr lang="en-US" smtClean="0"/>
-              <a:t>11/2/20</a:t>
+              <a:t>11/4/20</a:t>
             </a:fld>
             <a:endParaRPr lang="en-US"/>
           </a:p>
@@ -3876,7 +3880,7 @@
             <a:fld id="{3B3400CD-7287-EA41-97B8-6C373A830532}" type="datetimeFigureOut">
               <a:rPr lang="en-US" smtClean="0"/>
               <a:pPr/>
-              <a:t>11/2/20</a:t>
+              <a:t>11/4/20</a:t>
             </a:fld>
             <a:endParaRPr lang="en-US" dirty="0"/>
           </a:p>
@@ -4857,6 +4861,313 @@
     <p:extLst>
       <p:ext uri="{BB962C8B-B14F-4D97-AF65-F5344CB8AC3E}">
         <p14:creationId xmlns:p14="http://schemas.microsoft.com/office/powerpoint/2010/main" val="762026286"/>
+      </p:ext>
+    </p:extLst>
+  </p:cSld>
+  <p:clrMapOvr>
+    <a:masterClrMapping/>
+  </p:clrMapOvr>
+</p:sld>
+</file>
+
+<file path=ppt/slides/slide15.xml><?xml version="1.0" encoding="utf-8"?>
+<p:sld xmlns:a="http://schemas.openxmlformats.org/drawingml/2006/main" xmlns:r="http://schemas.openxmlformats.org/officeDocument/2006/relationships" xmlns:p="http://schemas.openxmlformats.org/presentationml/2006/main">
+  <p:cSld>
+    <p:spTree>
+      <p:nvGrpSpPr>
+        <p:cNvPr id="1" name=""/>
+        <p:cNvGrpSpPr/>
+        <p:nvPr/>
+      </p:nvGrpSpPr>
+      <p:grpSpPr>
+        <a:xfrm>
+          <a:off x="0" y="0"/>
+          <a:ext cx="0" cy="0"/>
+          <a:chOff x="0" y="0"/>
+          <a:chExt cx="0" cy="0"/>
+        </a:xfrm>
+      </p:grpSpPr>
+      <p:sp>
+        <p:nvSpPr>
+          <p:cNvPr id="2" name="Title 1">
+            <a:extLst>
+              <a:ext uri="{FF2B5EF4-FFF2-40B4-BE49-F238E27FC236}">
+                <a16:creationId xmlns:a16="http://schemas.microsoft.com/office/drawing/2014/main" id="{51B4514C-CFDB-1A45-85B8-19F403C3EE26}"/>
+              </a:ext>
+            </a:extLst>
+          </p:cNvPr>
+          <p:cNvSpPr>
+            <a:spLocks noGrp="1"/>
+          </p:cNvSpPr>
+          <p:nvPr>
+            <p:ph type="title"/>
+          </p:nvPr>
+        </p:nvSpPr>
+        <p:spPr/>
+        <p:txBody>
+          <a:bodyPr/>
+          <a:lstStyle/>
+          <a:p>
+            <a:r>
+              <a:rPr lang="en-US" dirty="0"/>
+              <a:t>Exp 10: ATP Control Round 2</a:t>
+            </a:r>
+          </a:p>
+        </p:txBody>
+      </p:sp>
+      <p:sp>
+        <p:nvSpPr>
+          <p:cNvPr id="3" name="Text Placeholder 2">
+            <a:extLst>
+              <a:ext uri="{FF2B5EF4-FFF2-40B4-BE49-F238E27FC236}">
+                <a16:creationId xmlns:a16="http://schemas.microsoft.com/office/drawing/2014/main" id="{F419DEFD-7FD0-7241-93D7-9FCE51871216}"/>
+              </a:ext>
+            </a:extLst>
+          </p:cNvPr>
+          <p:cNvSpPr>
+            <a:spLocks noGrp="1"/>
+          </p:cNvSpPr>
+          <p:nvPr>
+            <p:ph type="body" idx="1"/>
+          </p:nvPr>
+        </p:nvSpPr>
+        <p:spPr/>
+        <p:txBody>
+          <a:bodyPr/>
+          <a:lstStyle/>
+          <a:p>
+            <a:r>
+              <a:rPr lang="en-US" dirty="0"/>
+              <a:t>Done with luminescence this time!</a:t>
+            </a:r>
+          </a:p>
+          <a:p>
+            <a:r>
+              <a:rPr lang="en-US" dirty="0"/>
+              <a:t>20201103_exp10_controls_atp</a:t>
+            </a:r>
+          </a:p>
+        </p:txBody>
+      </p:sp>
+    </p:spTree>
+    <p:extLst>
+      <p:ext uri="{BB962C8B-B14F-4D97-AF65-F5344CB8AC3E}">
+        <p14:creationId xmlns:p14="http://schemas.microsoft.com/office/powerpoint/2010/main" val="955133763"/>
+      </p:ext>
+    </p:extLst>
+  </p:cSld>
+  <p:clrMapOvr>
+    <a:masterClrMapping/>
+  </p:clrMapOvr>
+</p:sld>
+</file>
+
+<file path=ppt/slides/slide16.xml><?xml version="1.0" encoding="utf-8"?>
+<p:sld xmlns:a="http://schemas.openxmlformats.org/drawingml/2006/main" xmlns:r="http://schemas.openxmlformats.org/officeDocument/2006/relationships" xmlns:p="http://schemas.openxmlformats.org/presentationml/2006/main">
+  <p:cSld>
+    <p:spTree>
+      <p:nvGrpSpPr>
+        <p:cNvPr id="1" name=""/>
+        <p:cNvGrpSpPr/>
+        <p:nvPr/>
+      </p:nvGrpSpPr>
+      <p:grpSpPr>
+        <a:xfrm>
+          <a:off x="0" y="0"/>
+          <a:ext cx="0" cy="0"/>
+          <a:chOff x="0" y="0"/>
+          <a:chExt cx="0" cy="0"/>
+        </a:xfrm>
+      </p:grpSpPr>
+    </p:spTree>
+    <p:extLst>
+      <p:ext uri="{BB962C8B-B14F-4D97-AF65-F5344CB8AC3E}">
+        <p14:creationId xmlns:p14="http://schemas.microsoft.com/office/powerpoint/2010/main" val="1318330343"/>
+      </p:ext>
+    </p:extLst>
+  </p:cSld>
+  <p:clrMapOvr>
+    <a:masterClrMapping/>
+  </p:clrMapOvr>
+</p:sld>
+</file>
+
+<file path=ppt/slides/slide17.xml><?xml version="1.0" encoding="utf-8"?>
+<p:sld xmlns:a="http://schemas.openxmlformats.org/drawingml/2006/main" xmlns:r="http://schemas.openxmlformats.org/officeDocument/2006/relationships" xmlns:p="http://schemas.openxmlformats.org/presentationml/2006/main">
+  <p:cSld>
+    <p:spTree>
+      <p:nvGrpSpPr>
+        <p:cNvPr id="1" name=""/>
+        <p:cNvGrpSpPr/>
+        <p:nvPr/>
+      </p:nvGrpSpPr>
+      <p:grpSpPr>
+        <a:xfrm>
+          <a:off x="0" y="0"/>
+          <a:ext cx="0" cy="0"/>
+          <a:chOff x="0" y="0"/>
+          <a:chExt cx="0" cy="0"/>
+        </a:xfrm>
+      </p:grpSpPr>
+      <p:sp>
+        <p:nvSpPr>
+          <p:cNvPr id="2" name="Title 1">
+            <a:extLst>
+              <a:ext uri="{FF2B5EF4-FFF2-40B4-BE49-F238E27FC236}">
+                <a16:creationId xmlns:a16="http://schemas.microsoft.com/office/drawing/2014/main" id="{48A7928A-0827-6C4F-BCD5-2DC016A09565}"/>
+              </a:ext>
+            </a:extLst>
+          </p:cNvPr>
+          <p:cNvSpPr>
+            <a:spLocks noGrp="1"/>
+          </p:cNvSpPr>
+          <p:nvPr>
+            <p:ph type="title"/>
+          </p:nvPr>
+        </p:nvSpPr>
+        <p:spPr/>
+        <p:txBody>
+          <a:bodyPr/>
+          <a:lstStyle/>
+          <a:p>
+            <a:r>
+              <a:rPr lang="en-US" dirty="0"/>
+              <a:t>Exp 11: ATP in Beginning</a:t>
+            </a:r>
+          </a:p>
+        </p:txBody>
+      </p:sp>
+      <p:sp>
+        <p:nvSpPr>
+          <p:cNvPr id="3" name="Text Placeholder 2">
+            <a:extLst>
+              <a:ext uri="{FF2B5EF4-FFF2-40B4-BE49-F238E27FC236}">
+                <a16:creationId xmlns:a16="http://schemas.microsoft.com/office/drawing/2014/main" id="{18766857-3634-E045-8459-56C4BA31F075}"/>
+              </a:ext>
+            </a:extLst>
+          </p:cNvPr>
+          <p:cNvSpPr>
+            <a:spLocks noGrp="1"/>
+          </p:cNvSpPr>
+          <p:nvPr>
+            <p:ph type="body" idx="1"/>
+          </p:nvPr>
+        </p:nvSpPr>
+        <p:spPr/>
+        <p:txBody>
+          <a:bodyPr/>
+          <a:lstStyle/>
+          <a:p>
+            <a:r>
+              <a:rPr lang="en-US" dirty="0"/>
+              <a:t>20201103_exp11_gfp_atpinbeg_timeseries</a:t>
+            </a:r>
+          </a:p>
+        </p:txBody>
+      </p:sp>
+    </p:spTree>
+    <p:extLst>
+      <p:ext uri="{BB962C8B-B14F-4D97-AF65-F5344CB8AC3E}">
+        <p14:creationId xmlns:p14="http://schemas.microsoft.com/office/powerpoint/2010/main" val="3540394520"/>
+      </p:ext>
+    </p:extLst>
+  </p:cSld>
+  <p:clrMapOvr>
+    <a:masterClrMapping/>
+  </p:clrMapOvr>
+</p:sld>
+</file>
+
+<file path=ppt/slides/slide18.xml><?xml version="1.0" encoding="utf-8"?>
+<p:sld xmlns:a="http://schemas.openxmlformats.org/drawingml/2006/main" xmlns:r="http://schemas.openxmlformats.org/officeDocument/2006/relationships" xmlns:p="http://schemas.openxmlformats.org/presentationml/2006/main">
+  <p:cSld>
+    <p:spTree>
+      <p:nvGrpSpPr>
+        <p:cNvPr id="1" name=""/>
+        <p:cNvGrpSpPr/>
+        <p:nvPr/>
+      </p:nvGrpSpPr>
+      <p:grpSpPr>
+        <a:xfrm>
+          <a:off x="0" y="0"/>
+          <a:ext cx="0" cy="0"/>
+          <a:chOff x="0" y="0"/>
+          <a:chExt cx="0" cy="0"/>
+        </a:xfrm>
+      </p:grpSpPr>
+      <p:pic>
+        <p:nvPicPr>
+          <p:cNvPr id="3" name="Picture 2" descr="Chart&#10;&#10;Description automatically generated">
+            <a:extLst>
+              <a:ext uri="{FF2B5EF4-FFF2-40B4-BE49-F238E27FC236}">
+                <a16:creationId xmlns:a16="http://schemas.microsoft.com/office/drawing/2014/main" id="{53859399-F444-434A-98B5-CD0D843E952A}"/>
+              </a:ext>
+            </a:extLst>
+          </p:cNvPr>
+          <p:cNvPicPr>
+            <a:picLocks noChangeAspect="1"/>
+          </p:cNvPicPr>
+          <p:nvPr/>
+        </p:nvPicPr>
+        <p:blipFill>
+          <a:blip r:embed="rId2"/>
+          <a:stretch>
+            <a:fillRect/>
+          </a:stretch>
+        </p:blipFill>
+        <p:spPr>
+          <a:xfrm>
+            <a:off x="1039586" y="800099"/>
+            <a:ext cx="9887494" cy="5324035"/>
+          </a:xfrm>
+          <a:prstGeom prst="rect">
+            <a:avLst/>
+          </a:prstGeom>
+        </p:spPr>
+      </p:pic>
+      <p:sp>
+        <p:nvSpPr>
+          <p:cNvPr id="4" name="TextBox 3">
+            <a:extLst>
+              <a:ext uri="{FF2B5EF4-FFF2-40B4-BE49-F238E27FC236}">
+                <a16:creationId xmlns:a16="http://schemas.microsoft.com/office/drawing/2014/main" id="{AA84E416-C048-C147-9366-3306A900C9D2}"/>
+              </a:ext>
+            </a:extLst>
+          </p:cNvPr>
+          <p:cNvSpPr txBox="1"/>
+          <p:nvPr/>
+        </p:nvSpPr>
+        <p:spPr>
+          <a:xfrm>
+            <a:off x="388619" y="364534"/>
+            <a:ext cx="5983152" cy="369332"/>
+          </a:xfrm>
+          <a:prstGeom prst="rect">
+            <a:avLst/>
+          </a:prstGeom>
+          <a:noFill/>
+        </p:spPr>
+        <p:txBody>
+          <a:bodyPr wrap="square" rtlCol="0">
+            <a:spAutoFit/>
+          </a:bodyPr>
+          <a:lstStyle/>
+          <a:p>
+            <a:r>
+              <a:rPr lang="en-US" dirty="0">
+                <a:solidFill>
+                  <a:srgbClr val="FF0000"/>
+                </a:solidFill>
+              </a:rPr>
+              <a:t>This is bad data because volume was not consistent</a:t>
+            </a:r>
+          </a:p>
+        </p:txBody>
+      </p:sp>
+    </p:spTree>
+    <p:extLst>
+      <p:ext uri="{BB962C8B-B14F-4D97-AF65-F5344CB8AC3E}">
+        <p14:creationId xmlns:p14="http://schemas.microsoft.com/office/powerpoint/2010/main" val="960817816"/>
       </p:ext>
     </p:extLst>
   </p:cSld>

--- a/presentations_proposals/20201101_summary_ppt.pptx
+++ b/presentations_proposals/20201101_summary_ppt.pptx
@@ -5,7 +5,7 @@
     <p:sldMasterId id="2147483648" r:id="rId1"/>
   </p:sldMasterIdLst>
   <p:notesMasterIdLst>
-    <p:notesMasterId r:id="rId20"/>
+    <p:notesMasterId r:id="rId26"/>
   </p:notesMasterIdLst>
   <p:sldIdLst>
     <p:sldId id="256" r:id="rId2"/>
@@ -26,6 +26,12 @@
     <p:sldId id="362" r:id="rId17"/>
     <p:sldId id="359" r:id="rId18"/>
     <p:sldId id="360" r:id="rId19"/>
+    <p:sldId id="363" r:id="rId20"/>
+    <p:sldId id="364" r:id="rId21"/>
+    <p:sldId id="368" r:id="rId22"/>
+    <p:sldId id="365" r:id="rId23"/>
+    <p:sldId id="366" r:id="rId24"/>
+    <p:sldId id="367" r:id="rId25"/>
   </p:sldIdLst>
   <p:sldSz cx="12192000" cy="6858000"/>
   <p:notesSz cx="6858000" cy="9144000"/>
@@ -214,7 +220,7 @@
           <a:p>
             <a:fld id="{E59AB5F3-042F-9C41-8735-1D6D416E90A8}" type="datetimeFigureOut">
               <a:rPr lang="en-US" smtClean="0"/>
-              <a:t>11/4/20</a:t>
+              <a:t>11/7/20</a:t>
             </a:fld>
             <a:endParaRPr lang="en-US"/>
           </a:p>
@@ -1217,7 +1223,7 @@
           <a:p>
             <a:fld id="{3B3400CD-7287-EA41-97B8-6C373A830532}" type="datetimeFigureOut">
               <a:rPr lang="en-US" smtClean="0"/>
-              <a:t>11/4/20</a:t>
+              <a:t>11/7/20</a:t>
             </a:fld>
             <a:endParaRPr lang="en-US"/>
           </a:p>
@@ -1415,7 +1421,7 @@
           <a:p>
             <a:fld id="{3B3400CD-7287-EA41-97B8-6C373A830532}" type="datetimeFigureOut">
               <a:rPr lang="en-US" smtClean="0"/>
-              <a:t>11/4/20</a:t>
+              <a:t>11/7/20</a:t>
             </a:fld>
             <a:endParaRPr lang="en-US"/>
           </a:p>
@@ -1623,7 +1629,7 @@
           <a:p>
             <a:fld id="{3B3400CD-7287-EA41-97B8-6C373A830532}" type="datetimeFigureOut">
               <a:rPr lang="en-US" smtClean="0"/>
-              <a:t>11/4/20</a:t>
+              <a:t>11/7/20</a:t>
             </a:fld>
             <a:endParaRPr lang="en-US"/>
           </a:p>
@@ -1829,7 +1835,7 @@
           <a:p>
             <a:fld id="{3B3400CD-7287-EA41-97B8-6C373A830532}" type="datetimeFigureOut">
               <a:rPr lang="en-US" smtClean="0"/>
-              <a:t>11/4/20</a:t>
+              <a:t>11/7/20</a:t>
             </a:fld>
             <a:endParaRPr lang="en-US"/>
           </a:p>
@@ -2104,7 +2110,7 @@
           <a:p>
             <a:fld id="{3B3400CD-7287-EA41-97B8-6C373A830532}" type="datetimeFigureOut">
               <a:rPr lang="en-US" smtClean="0"/>
-              <a:t>11/4/20</a:t>
+              <a:t>11/7/20</a:t>
             </a:fld>
             <a:endParaRPr lang="en-US"/>
           </a:p>
@@ -2369,7 +2375,7 @@
           <a:p>
             <a:fld id="{3B3400CD-7287-EA41-97B8-6C373A830532}" type="datetimeFigureOut">
               <a:rPr lang="en-US" smtClean="0"/>
-              <a:t>11/4/20</a:t>
+              <a:t>11/7/20</a:t>
             </a:fld>
             <a:endParaRPr lang="en-US"/>
           </a:p>
@@ -2781,7 +2787,7 @@
           <a:p>
             <a:fld id="{3B3400CD-7287-EA41-97B8-6C373A830532}" type="datetimeFigureOut">
               <a:rPr lang="en-US" smtClean="0"/>
-              <a:t>11/4/20</a:t>
+              <a:t>11/7/20</a:t>
             </a:fld>
             <a:endParaRPr lang="en-US"/>
           </a:p>
@@ -2922,7 +2928,7 @@
           <a:p>
             <a:fld id="{3B3400CD-7287-EA41-97B8-6C373A830532}" type="datetimeFigureOut">
               <a:rPr lang="en-US" smtClean="0"/>
-              <a:t>11/4/20</a:t>
+              <a:t>11/7/20</a:t>
             </a:fld>
             <a:endParaRPr lang="en-US"/>
           </a:p>
@@ -3035,7 +3041,7 @@
           <a:p>
             <a:fld id="{3B3400CD-7287-EA41-97B8-6C373A830532}" type="datetimeFigureOut">
               <a:rPr lang="en-US" smtClean="0"/>
-              <a:t>11/4/20</a:t>
+              <a:t>11/7/20</a:t>
             </a:fld>
             <a:endParaRPr lang="en-US"/>
           </a:p>
@@ -3346,7 +3352,7 @@
           <a:p>
             <a:fld id="{3B3400CD-7287-EA41-97B8-6C373A830532}" type="datetimeFigureOut">
               <a:rPr lang="en-US" smtClean="0"/>
-              <a:t>11/4/20</a:t>
+              <a:t>11/7/20</a:t>
             </a:fld>
             <a:endParaRPr lang="en-US"/>
           </a:p>
@@ -3637,7 +3643,7 @@
           <a:p>
             <a:fld id="{3B3400CD-7287-EA41-97B8-6C373A830532}" type="datetimeFigureOut">
               <a:rPr lang="en-US" smtClean="0"/>
-              <a:t>11/4/20</a:t>
+              <a:t>11/7/20</a:t>
             </a:fld>
             <a:endParaRPr lang="en-US"/>
           </a:p>
@@ -3880,7 +3886,7 @@
             <a:fld id="{3B3400CD-7287-EA41-97B8-6C373A830532}" type="datetimeFigureOut">
               <a:rPr lang="en-US" smtClean="0"/>
               <a:pPr/>
-              <a:t>11/4/20</a:t>
+              <a:t>11/7/20</a:t>
             </a:fld>
             <a:endParaRPr lang="en-US" dirty="0"/>
           </a:p>
@@ -5177,6 +5183,92 @@
 </p:sld>
 </file>
 
+<file path=ppt/slides/slide19.xml><?xml version="1.0" encoding="utf-8"?>
+<p:sld xmlns:a="http://schemas.openxmlformats.org/drawingml/2006/main" xmlns:r="http://schemas.openxmlformats.org/officeDocument/2006/relationships" xmlns:p="http://schemas.openxmlformats.org/presentationml/2006/main">
+  <p:cSld>
+    <p:spTree>
+      <p:nvGrpSpPr>
+        <p:cNvPr id="1" name=""/>
+        <p:cNvGrpSpPr/>
+        <p:nvPr/>
+      </p:nvGrpSpPr>
+      <p:grpSpPr>
+        <a:xfrm>
+          <a:off x="0" y="0"/>
+          <a:ext cx="0" cy="0"/>
+          <a:chOff x="0" y="0"/>
+          <a:chExt cx="0" cy="0"/>
+        </a:xfrm>
+      </p:grpSpPr>
+      <p:sp>
+        <p:nvSpPr>
+          <p:cNvPr id="2" name="Title 1">
+            <a:extLst>
+              <a:ext uri="{FF2B5EF4-FFF2-40B4-BE49-F238E27FC236}">
+                <a16:creationId xmlns:a16="http://schemas.microsoft.com/office/drawing/2014/main" id="{4DD51ADC-55E3-B749-BF89-CBDB0C1AA0F5}"/>
+              </a:ext>
+            </a:extLst>
+          </p:cNvPr>
+          <p:cNvSpPr>
+            <a:spLocks noGrp="1"/>
+          </p:cNvSpPr>
+          <p:nvPr>
+            <p:ph type="title"/>
+          </p:nvPr>
+        </p:nvSpPr>
+        <p:spPr/>
+        <p:txBody>
+          <a:bodyPr/>
+          <a:lstStyle/>
+          <a:p>
+            <a:r>
+              <a:rPr lang="en-US" dirty="0"/>
+              <a:t>Exp 12: Reagents in Beginning</a:t>
+            </a:r>
+          </a:p>
+        </p:txBody>
+      </p:sp>
+      <p:sp>
+        <p:nvSpPr>
+          <p:cNvPr id="3" name="Text Placeholder 2">
+            <a:extLst>
+              <a:ext uri="{FF2B5EF4-FFF2-40B4-BE49-F238E27FC236}">
+                <a16:creationId xmlns:a16="http://schemas.microsoft.com/office/drawing/2014/main" id="{1DA17A43-437E-944A-B474-CB9D49C85DD4}"/>
+              </a:ext>
+            </a:extLst>
+          </p:cNvPr>
+          <p:cNvSpPr>
+            <a:spLocks noGrp="1"/>
+          </p:cNvSpPr>
+          <p:nvPr>
+            <p:ph type="body" idx="1"/>
+          </p:nvPr>
+        </p:nvSpPr>
+        <p:spPr/>
+        <p:txBody>
+          <a:bodyPr/>
+          <a:lstStyle/>
+          <a:p>
+            <a:r>
+              <a:rPr lang="en-US" dirty="0"/>
+              <a:t>20201104_exp12_gfp_moreinbeg_timeseries</a:t>
+            </a:r>
+          </a:p>
+        </p:txBody>
+      </p:sp>
+    </p:spTree>
+    <p:extLst>
+      <p:ext uri="{BB962C8B-B14F-4D97-AF65-F5344CB8AC3E}">
+        <p14:creationId xmlns:p14="http://schemas.microsoft.com/office/powerpoint/2010/main" val="2638938662"/>
+      </p:ext>
+    </p:extLst>
+  </p:cSld>
+  <p:clrMapOvr>
+    <a:masterClrMapping/>
+  </p:clrMapOvr>
+</p:sld>
+</file>
+
 <file path=ppt/slides/slide2.xml><?xml version="1.0" encoding="utf-8"?>
 <p:sld xmlns:a="http://schemas.openxmlformats.org/drawingml/2006/main" xmlns:r="http://schemas.openxmlformats.org/officeDocument/2006/relationships" xmlns:p="http://schemas.openxmlformats.org/presentationml/2006/main">
   <p:cSld>
@@ -5265,6 +5357,374 @@
     <p:extLst>
       <p:ext uri="{BB962C8B-B14F-4D97-AF65-F5344CB8AC3E}">
         <p14:creationId xmlns:p14="http://schemas.microsoft.com/office/powerpoint/2010/main" val="148272130"/>
+      </p:ext>
+    </p:extLst>
+  </p:cSld>
+  <p:clrMapOvr>
+    <a:masterClrMapping/>
+  </p:clrMapOvr>
+</p:sld>
+</file>
+
+<file path=ppt/slides/slide20.xml><?xml version="1.0" encoding="utf-8"?>
+<p:sld xmlns:a="http://schemas.openxmlformats.org/drawingml/2006/main" xmlns:r="http://schemas.openxmlformats.org/officeDocument/2006/relationships" xmlns:p="http://schemas.openxmlformats.org/presentationml/2006/main">
+  <p:cSld>
+    <p:spTree>
+      <p:nvGrpSpPr>
+        <p:cNvPr id="1" name=""/>
+        <p:cNvGrpSpPr/>
+        <p:nvPr/>
+      </p:nvGrpSpPr>
+      <p:grpSpPr>
+        <a:xfrm>
+          <a:off x="0" y="0"/>
+          <a:ext cx="0" cy="0"/>
+          <a:chOff x="0" y="0"/>
+          <a:chExt cx="0" cy="0"/>
+        </a:xfrm>
+      </p:grpSpPr>
+      <p:pic>
+        <p:nvPicPr>
+          <p:cNvPr id="6" name="Picture 5" descr="Chart, line chart&#10;&#10;Description automatically generated">
+            <a:extLst>
+              <a:ext uri="{FF2B5EF4-FFF2-40B4-BE49-F238E27FC236}">
+                <a16:creationId xmlns:a16="http://schemas.microsoft.com/office/drawing/2014/main" id="{101365B1-0988-3F4F-8DE7-4FADE0EC6D1A}"/>
+              </a:ext>
+            </a:extLst>
+          </p:cNvPr>
+          <p:cNvPicPr>
+            <a:picLocks noChangeAspect="1"/>
+          </p:cNvPicPr>
+          <p:nvPr/>
+        </p:nvPicPr>
+        <p:blipFill>
+          <a:blip r:embed="rId2"/>
+          <a:stretch>
+            <a:fillRect/>
+          </a:stretch>
+        </p:blipFill>
+        <p:spPr>
+          <a:xfrm>
+            <a:off x="698500" y="1206500"/>
+            <a:ext cx="10795000" cy="4445000"/>
+          </a:xfrm>
+          <a:prstGeom prst="rect">
+            <a:avLst/>
+          </a:prstGeom>
+        </p:spPr>
+      </p:pic>
+    </p:spTree>
+    <p:extLst>
+      <p:ext uri="{BB962C8B-B14F-4D97-AF65-F5344CB8AC3E}">
+        <p14:creationId xmlns:p14="http://schemas.microsoft.com/office/powerpoint/2010/main" val="1018704990"/>
+      </p:ext>
+    </p:extLst>
+  </p:cSld>
+  <p:clrMapOvr>
+    <a:masterClrMapping/>
+  </p:clrMapOvr>
+</p:sld>
+</file>
+
+<file path=ppt/slides/slide21.xml><?xml version="1.0" encoding="utf-8"?>
+<p:sld xmlns:a="http://schemas.openxmlformats.org/drawingml/2006/main" xmlns:r="http://schemas.openxmlformats.org/officeDocument/2006/relationships" xmlns:p="http://schemas.openxmlformats.org/presentationml/2006/main">
+  <p:cSld>
+    <p:spTree>
+      <p:nvGrpSpPr>
+        <p:cNvPr id="1" name=""/>
+        <p:cNvGrpSpPr/>
+        <p:nvPr/>
+      </p:nvGrpSpPr>
+      <p:grpSpPr>
+        <a:xfrm>
+          <a:off x="0" y="0"/>
+          <a:ext cx="0" cy="0"/>
+          <a:chOff x="0" y="0"/>
+          <a:chExt cx="0" cy="0"/>
+        </a:xfrm>
+      </p:grpSpPr>
+      <p:pic>
+        <p:nvPicPr>
+          <p:cNvPr id="3" name="Picture 2" descr="Chart, scatter chart&#10;&#10;Description automatically generated">
+            <a:extLst>
+              <a:ext uri="{FF2B5EF4-FFF2-40B4-BE49-F238E27FC236}">
+                <a16:creationId xmlns:a16="http://schemas.microsoft.com/office/drawing/2014/main" id="{8AD0B8E4-A705-7349-88DC-9B5CC29096B3}"/>
+              </a:ext>
+            </a:extLst>
+          </p:cNvPr>
+          <p:cNvPicPr>
+            <a:picLocks noChangeAspect="1"/>
+          </p:cNvPicPr>
+          <p:nvPr/>
+        </p:nvPicPr>
+        <p:blipFill>
+          <a:blip r:embed="rId2"/>
+          <a:stretch>
+            <a:fillRect/>
+          </a:stretch>
+        </p:blipFill>
+        <p:spPr>
+          <a:xfrm>
+            <a:off x="2784584" y="448725"/>
+            <a:ext cx="6622832" cy="5960549"/>
+          </a:xfrm>
+          <a:prstGeom prst="rect">
+            <a:avLst/>
+          </a:prstGeom>
+        </p:spPr>
+      </p:pic>
+    </p:spTree>
+    <p:extLst>
+      <p:ext uri="{BB962C8B-B14F-4D97-AF65-F5344CB8AC3E}">
+        <p14:creationId xmlns:p14="http://schemas.microsoft.com/office/powerpoint/2010/main" val="2366463321"/>
+      </p:ext>
+    </p:extLst>
+  </p:cSld>
+  <p:clrMapOvr>
+    <a:masterClrMapping/>
+  </p:clrMapOvr>
+</p:sld>
+</file>
+
+<file path=ppt/slides/slide22.xml><?xml version="1.0" encoding="utf-8"?>
+<p:sld xmlns:a="http://schemas.openxmlformats.org/drawingml/2006/main" xmlns:r="http://schemas.openxmlformats.org/officeDocument/2006/relationships" xmlns:p="http://schemas.openxmlformats.org/presentationml/2006/main">
+  <p:cSld>
+    <p:spTree>
+      <p:nvGrpSpPr>
+        <p:cNvPr id="1" name=""/>
+        <p:cNvGrpSpPr/>
+        <p:nvPr/>
+      </p:nvGrpSpPr>
+      <p:grpSpPr>
+        <a:xfrm>
+          <a:off x="0" y="0"/>
+          <a:ext cx="0" cy="0"/>
+          <a:chOff x="0" y="0"/>
+          <a:chExt cx="0" cy="0"/>
+        </a:xfrm>
+      </p:grpSpPr>
+      <p:sp>
+        <p:nvSpPr>
+          <p:cNvPr id="2" name="Title 1">
+            <a:extLst>
+              <a:ext uri="{FF2B5EF4-FFF2-40B4-BE49-F238E27FC236}">
+                <a16:creationId xmlns:a16="http://schemas.microsoft.com/office/drawing/2014/main" id="{4988F265-3EA2-2C48-ADD8-7ADFED7634AA}"/>
+              </a:ext>
+            </a:extLst>
+          </p:cNvPr>
+          <p:cNvSpPr>
+            <a:spLocks noGrp="1"/>
+          </p:cNvSpPr>
+          <p:nvPr>
+            <p:ph type="title"/>
+          </p:nvPr>
+        </p:nvSpPr>
+        <p:spPr/>
+        <p:txBody>
+          <a:bodyPr/>
+          <a:lstStyle/>
+          <a:p>
+            <a:r>
+              <a:rPr lang="en-US" dirty="0"/>
+              <a:t>Exp 13: Spike Experiments</a:t>
+            </a:r>
+          </a:p>
+        </p:txBody>
+      </p:sp>
+      <p:sp>
+        <p:nvSpPr>
+          <p:cNvPr id="3" name="Text Placeholder 2">
+            <a:extLst>
+              <a:ext uri="{FF2B5EF4-FFF2-40B4-BE49-F238E27FC236}">
+                <a16:creationId xmlns:a16="http://schemas.microsoft.com/office/drawing/2014/main" id="{99B650ED-B940-904C-A259-8CC12C9C5227}"/>
+              </a:ext>
+            </a:extLst>
+          </p:cNvPr>
+          <p:cNvSpPr>
+            <a:spLocks noGrp="1"/>
+          </p:cNvSpPr>
+          <p:nvPr>
+            <p:ph type="body" idx="1"/>
+          </p:nvPr>
+        </p:nvSpPr>
+        <p:spPr/>
+        <p:txBody>
+          <a:bodyPr/>
+          <a:lstStyle/>
+          <a:p>
+            <a:r>
+              <a:rPr lang="en-US" dirty="0"/>
+              <a:t>20201106_exp13_gfp_spike</a:t>
+            </a:r>
+          </a:p>
+          <a:p>
+            <a:r>
+              <a:rPr lang="en-US" dirty="0"/>
+              <a:t>20201107_exp13_gfp_post_spike</a:t>
+            </a:r>
+          </a:p>
+          <a:p>
+            <a:endParaRPr lang="en-US" dirty="0"/>
+          </a:p>
+        </p:txBody>
+      </p:sp>
+    </p:spTree>
+    <p:extLst>
+      <p:ext uri="{BB962C8B-B14F-4D97-AF65-F5344CB8AC3E}">
+        <p14:creationId xmlns:p14="http://schemas.microsoft.com/office/powerpoint/2010/main" val="3340935602"/>
+      </p:ext>
+    </p:extLst>
+  </p:cSld>
+  <p:clrMapOvr>
+    <a:masterClrMapping/>
+  </p:clrMapOvr>
+</p:sld>
+</file>
+
+<file path=ppt/slides/slide23.xml><?xml version="1.0" encoding="utf-8"?>
+<p:sld xmlns:a="http://schemas.openxmlformats.org/drawingml/2006/main" xmlns:r="http://schemas.openxmlformats.org/officeDocument/2006/relationships" xmlns:p="http://schemas.openxmlformats.org/presentationml/2006/main">
+  <p:cSld>
+    <p:spTree>
+      <p:nvGrpSpPr>
+        <p:cNvPr id="1" name=""/>
+        <p:cNvGrpSpPr/>
+        <p:nvPr/>
+      </p:nvGrpSpPr>
+      <p:grpSpPr>
+        <a:xfrm>
+          <a:off x="0" y="0"/>
+          <a:ext cx="0" cy="0"/>
+          <a:chOff x="0" y="0"/>
+          <a:chExt cx="0" cy="0"/>
+        </a:xfrm>
+      </p:grpSpPr>
+      <p:sp>
+        <p:nvSpPr>
+          <p:cNvPr id="2" name="Title 1">
+            <a:extLst>
+              <a:ext uri="{FF2B5EF4-FFF2-40B4-BE49-F238E27FC236}">
+                <a16:creationId xmlns:a16="http://schemas.microsoft.com/office/drawing/2014/main" id="{9BBA4E7E-AD98-ED43-8F35-580F23D3E5B2}"/>
+              </a:ext>
+            </a:extLst>
+          </p:cNvPr>
+          <p:cNvSpPr>
+            <a:spLocks noGrp="1"/>
+          </p:cNvSpPr>
+          <p:nvPr>
+            <p:ph type="title"/>
+          </p:nvPr>
+        </p:nvSpPr>
+        <p:spPr>
+          <a:xfrm>
+            <a:off x="160282" y="0"/>
+            <a:ext cx="10515600" cy="1325563"/>
+          </a:xfrm>
+        </p:spPr>
+        <p:txBody>
+          <a:bodyPr>
+            <a:normAutofit/>
+          </a:bodyPr>
+          <a:lstStyle/>
+          <a:p>
+            <a:r>
+              <a:rPr lang="en-US" sz="3800" dirty="0"/>
+              <a:t>Pre Spike</a:t>
+            </a:r>
+          </a:p>
+        </p:txBody>
+      </p:sp>
+      <p:pic>
+        <p:nvPicPr>
+          <p:cNvPr id="6" name="Picture 5" descr="Chart&#10;&#10;Description automatically generated">
+            <a:extLst>
+              <a:ext uri="{FF2B5EF4-FFF2-40B4-BE49-F238E27FC236}">
+                <a16:creationId xmlns:a16="http://schemas.microsoft.com/office/drawing/2014/main" id="{ED45BC4D-093B-2B4D-94F8-02DBF6A684E3}"/>
+              </a:ext>
+            </a:extLst>
+          </p:cNvPr>
+          <p:cNvPicPr>
+            <a:picLocks noChangeAspect="1"/>
+          </p:cNvPicPr>
+          <p:nvPr/>
+        </p:nvPicPr>
+        <p:blipFill>
+          <a:blip r:embed="rId2"/>
+          <a:stretch>
+            <a:fillRect/>
+          </a:stretch>
+        </p:blipFill>
+        <p:spPr>
+          <a:xfrm>
+            <a:off x="698500" y="1206500"/>
+            <a:ext cx="10795000" cy="4445000"/>
+          </a:xfrm>
+          <a:prstGeom prst="rect">
+            <a:avLst/>
+          </a:prstGeom>
+        </p:spPr>
+      </p:pic>
+    </p:spTree>
+    <p:extLst>
+      <p:ext uri="{BB962C8B-B14F-4D97-AF65-F5344CB8AC3E}">
+        <p14:creationId xmlns:p14="http://schemas.microsoft.com/office/powerpoint/2010/main" val="2496250546"/>
+      </p:ext>
+    </p:extLst>
+  </p:cSld>
+  <p:clrMapOvr>
+    <a:masterClrMapping/>
+  </p:clrMapOvr>
+</p:sld>
+</file>
+
+<file path=ppt/slides/slide24.xml><?xml version="1.0" encoding="utf-8"?>
+<p:sld xmlns:a="http://schemas.openxmlformats.org/drawingml/2006/main" xmlns:r="http://schemas.openxmlformats.org/officeDocument/2006/relationships" xmlns:p="http://schemas.openxmlformats.org/presentationml/2006/main">
+  <p:cSld>
+    <p:spTree>
+      <p:nvGrpSpPr>
+        <p:cNvPr id="1" name=""/>
+        <p:cNvGrpSpPr/>
+        <p:nvPr/>
+      </p:nvGrpSpPr>
+      <p:grpSpPr>
+        <a:xfrm>
+          <a:off x="0" y="0"/>
+          <a:ext cx="0" cy="0"/>
+          <a:chOff x="0" y="0"/>
+          <a:chExt cx="0" cy="0"/>
+        </a:xfrm>
+      </p:grpSpPr>
+      <p:sp>
+        <p:nvSpPr>
+          <p:cNvPr id="2" name="Title 1">
+            <a:extLst>
+              <a:ext uri="{FF2B5EF4-FFF2-40B4-BE49-F238E27FC236}">
+                <a16:creationId xmlns:a16="http://schemas.microsoft.com/office/drawing/2014/main" id="{4A85FC60-10F6-DB40-A271-E4D7D9F15D5C}"/>
+              </a:ext>
+            </a:extLst>
+          </p:cNvPr>
+          <p:cNvSpPr>
+            <a:spLocks noGrp="1"/>
+          </p:cNvSpPr>
+          <p:nvPr>
+            <p:ph type="title"/>
+          </p:nvPr>
+        </p:nvSpPr>
+        <p:spPr/>
+        <p:txBody>
+          <a:bodyPr/>
+          <a:lstStyle/>
+          <a:p>
+            <a:r>
+              <a:rPr lang="en-US" dirty="0"/>
+              <a:t>Post Spike</a:t>
+            </a:r>
+          </a:p>
+        </p:txBody>
+      </p:sp>
+    </p:spTree>
+    <p:extLst>
+      <p:ext uri="{BB962C8B-B14F-4D97-AF65-F5344CB8AC3E}">
+        <p14:creationId xmlns:p14="http://schemas.microsoft.com/office/powerpoint/2010/main" val="600640930"/>
       </p:ext>
     </p:extLst>
   </p:cSld>

--- a/presentations_proposals/20201101_summary_ppt.pptx
+++ b/presentations_proposals/20201101_summary_ppt.pptx
@@ -220,7 +220,7 @@
           <a:p>
             <a:fld id="{E59AB5F3-042F-9C41-8735-1D6D416E90A8}" type="datetimeFigureOut">
               <a:rPr lang="en-US" smtClean="0"/>
-              <a:t>11/7/20</a:t>
+              <a:t>11/9/20</a:t>
             </a:fld>
             <a:endParaRPr lang="en-US"/>
           </a:p>
@@ -1223,7 +1223,7 @@
           <a:p>
             <a:fld id="{3B3400CD-7287-EA41-97B8-6C373A830532}" type="datetimeFigureOut">
               <a:rPr lang="en-US" smtClean="0"/>
-              <a:t>11/7/20</a:t>
+              <a:t>11/9/20</a:t>
             </a:fld>
             <a:endParaRPr lang="en-US"/>
           </a:p>
@@ -1421,7 +1421,7 @@
           <a:p>
             <a:fld id="{3B3400CD-7287-EA41-97B8-6C373A830532}" type="datetimeFigureOut">
               <a:rPr lang="en-US" smtClean="0"/>
-              <a:t>11/7/20</a:t>
+              <a:t>11/9/20</a:t>
             </a:fld>
             <a:endParaRPr lang="en-US"/>
           </a:p>
@@ -1629,7 +1629,7 @@
           <a:p>
             <a:fld id="{3B3400CD-7287-EA41-97B8-6C373A830532}" type="datetimeFigureOut">
               <a:rPr lang="en-US" smtClean="0"/>
-              <a:t>11/7/20</a:t>
+              <a:t>11/9/20</a:t>
             </a:fld>
             <a:endParaRPr lang="en-US"/>
           </a:p>
@@ -1835,7 +1835,7 @@
           <a:p>
             <a:fld id="{3B3400CD-7287-EA41-97B8-6C373A830532}" type="datetimeFigureOut">
               <a:rPr lang="en-US" smtClean="0"/>
-              <a:t>11/7/20</a:t>
+              <a:t>11/9/20</a:t>
             </a:fld>
             <a:endParaRPr lang="en-US"/>
           </a:p>
@@ -2110,7 +2110,7 @@
           <a:p>
             <a:fld id="{3B3400CD-7287-EA41-97B8-6C373A830532}" type="datetimeFigureOut">
               <a:rPr lang="en-US" smtClean="0"/>
-              <a:t>11/7/20</a:t>
+              <a:t>11/9/20</a:t>
             </a:fld>
             <a:endParaRPr lang="en-US"/>
           </a:p>
@@ -2375,7 +2375,7 @@
           <a:p>
             <a:fld id="{3B3400CD-7287-EA41-97B8-6C373A830532}" type="datetimeFigureOut">
               <a:rPr lang="en-US" smtClean="0"/>
-              <a:t>11/7/20</a:t>
+              <a:t>11/9/20</a:t>
             </a:fld>
             <a:endParaRPr lang="en-US"/>
           </a:p>
@@ -2787,7 +2787,7 @@
           <a:p>
             <a:fld id="{3B3400CD-7287-EA41-97B8-6C373A830532}" type="datetimeFigureOut">
               <a:rPr lang="en-US" smtClean="0"/>
-              <a:t>11/7/20</a:t>
+              <a:t>11/9/20</a:t>
             </a:fld>
             <a:endParaRPr lang="en-US"/>
           </a:p>
@@ -2928,7 +2928,7 @@
           <a:p>
             <a:fld id="{3B3400CD-7287-EA41-97B8-6C373A830532}" type="datetimeFigureOut">
               <a:rPr lang="en-US" smtClean="0"/>
-              <a:t>11/7/20</a:t>
+              <a:t>11/9/20</a:t>
             </a:fld>
             <a:endParaRPr lang="en-US"/>
           </a:p>
@@ -3041,7 +3041,7 @@
           <a:p>
             <a:fld id="{3B3400CD-7287-EA41-97B8-6C373A830532}" type="datetimeFigureOut">
               <a:rPr lang="en-US" smtClean="0"/>
-              <a:t>11/7/20</a:t>
+              <a:t>11/9/20</a:t>
             </a:fld>
             <a:endParaRPr lang="en-US"/>
           </a:p>
@@ -3352,7 +3352,7 @@
           <a:p>
             <a:fld id="{3B3400CD-7287-EA41-97B8-6C373A830532}" type="datetimeFigureOut">
               <a:rPr lang="en-US" smtClean="0"/>
-              <a:t>11/7/20</a:t>
+              <a:t>11/9/20</a:t>
             </a:fld>
             <a:endParaRPr lang="en-US"/>
           </a:p>
@@ -3643,7 +3643,7 @@
           <a:p>
             <a:fld id="{3B3400CD-7287-EA41-97B8-6C373A830532}" type="datetimeFigureOut">
               <a:rPr lang="en-US" smtClean="0"/>
-              <a:t>11/7/20</a:t>
+              <a:t>11/9/20</a:t>
             </a:fld>
             <a:endParaRPr lang="en-US"/>
           </a:p>
@@ -3886,7 +3886,7 @@
             <a:fld id="{3B3400CD-7287-EA41-97B8-6C373A830532}" type="datetimeFigureOut">
               <a:rPr lang="en-US" smtClean="0"/>
               <a:pPr/>
-              <a:t>11/7/20</a:t>
+              <a:t>11/9/20</a:t>
             </a:fld>
             <a:endParaRPr lang="en-US" dirty="0"/>
           </a:p>
@@ -4357,12 +4357,8 @@
           <a:lstStyle/>
           <a:p>
             <a:r>
-              <a:rPr lang="en-US" dirty="0"/>
-              <a:t>Summary </a:t>
-            </a:r>
-            <a:r>
-              <a:rPr lang="en-US" dirty="0" err="1"/>
-              <a:t>Powerpoint</a:t>
+              <a:rPr lang="en-US"/>
+              <a:t>Summary PowerPoint</a:t>
             </a:r>
             <a:endParaRPr lang="en-US" dirty="0"/>
           </a:p>

--- a/presentations_proposals/20201101_summary_ppt.pptx
+++ b/presentations_proposals/20201101_summary_ppt.pptx
@@ -5,7 +5,7 @@
     <p:sldMasterId id="2147483648" r:id="rId1"/>
   </p:sldMasterIdLst>
   <p:notesMasterIdLst>
-    <p:notesMasterId r:id="rId26"/>
+    <p:notesMasterId r:id="rId31"/>
   </p:notesMasterIdLst>
   <p:sldIdLst>
     <p:sldId id="256" r:id="rId2"/>
@@ -18,20 +18,25 @@
     <p:sldId id="356" r:id="rId9"/>
     <p:sldId id="353" r:id="rId10"/>
     <p:sldId id="354" r:id="rId11"/>
-    <p:sldId id="351" r:id="rId12"/>
-    <p:sldId id="352" r:id="rId13"/>
-    <p:sldId id="357" r:id="rId14"/>
-    <p:sldId id="358" r:id="rId15"/>
-    <p:sldId id="361" r:id="rId16"/>
-    <p:sldId id="362" r:id="rId17"/>
-    <p:sldId id="359" r:id="rId18"/>
-    <p:sldId id="360" r:id="rId19"/>
-    <p:sldId id="363" r:id="rId20"/>
-    <p:sldId id="364" r:id="rId21"/>
-    <p:sldId id="368" r:id="rId22"/>
-    <p:sldId id="365" r:id="rId23"/>
-    <p:sldId id="366" r:id="rId24"/>
-    <p:sldId id="367" r:id="rId25"/>
+    <p:sldId id="369" r:id="rId12"/>
+    <p:sldId id="351" r:id="rId13"/>
+    <p:sldId id="352" r:id="rId14"/>
+    <p:sldId id="357" r:id="rId15"/>
+    <p:sldId id="358" r:id="rId16"/>
+    <p:sldId id="361" r:id="rId17"/>
+    <p:sldId id="362" r:id="rId18"/>
+    <p:sldId id="370" r:id="rId19"/>
+    <p:sldId id="359" r:id="rId20"/>
+    <p:sldId id="360" r:id="rId21"/>
+    <p:sldId id="363" r:id="rId22"/>
+    <p:sldId id="364" r:id="rId23"/>
+    <p:sldId id="368" r:id="rId24"/>
+    <p:sldId id="365" r:id="rId25"/>
+    <p:sldId id="366" r:id="rId26"/>
+    <p:sldId id="367" r:id="rId27"/>
+    <p:sldId id="371" r:id="rId28"/>
+    <p:sldId id="372" r:id="rId29"/>
+    <p:sldId id="373" r:id="rId30"/>
   </p:sldIdLst>
   <p:sldSz cx="12192000" cy="6858000"/>
   <p:notesSz cx="6858000" cy="9144000"/>
@@ -220,7 +225,7 @@
           <a:p>
             <a:fld id="{E59AB5F3-042F-9C41-8735-1D6D416E90A8}" type="datetimeFigureOut">
               <a:rPr lang="en-US" smtClean="0"/>
-              <a:t>11/9/20</a:t>
+              <a:t>11/15/20</a:t>
             </a:fld>
             <a:endParaRPr lang="en-US"/>
           </a:p>
@@ -972,7 +977,7 @@
           <a:p>
             <a:fld id="{504DE3A0-9890-F045-89E7-4468AAAA3E14}" type="slidenum">
               <a:rPr lang="en-US" smtClean="0"/>
-              <a:t>11</a:t>
+              <a:t>12</a:t>
             </a:fld>
             <a:endParaRPr lang="en-US"/>
           </a:p>
@@ -1056,7 +1061,7 @@
           <a:p>
             <a:fld id="{504DE3A0-9890-F045-89E7-4468AAAA3E14}" type="slidenum">
               <a:rPr lang="en-US" smtClean="0"/>
-              <a:t>12</a:t>
+              <a:t>13</a:t>
             </a:fld>
             <a:endParaRPr lang="en-US"/>
           </a:p>
@@ -1223,7 +1228,7 @@
           <a:p>
             <a:fld id="{3B3400CD-7287-EA41-97B8-6C373A830532}" type="datetimeFigureOut">
               <a:rPr lang="en-US" smtClean="0"/>
-              <a:t>11/9/20</a:t>
+              <a:t>11/15/20</a:t>
             </a:fld>
             <a:endParaRPr lang="en-US"/>
           </a:p>
@@ -1421,7 +1426,7 @@
           <a:p>
             <a:fld id="{3B3400CD-7287-EA41-97B8-6C373A830532}" type="datetimeFigureOut">
               <a:rPr lang="en-US" smtClean="0"/>
-              <a:t>11/9/20</a:t>
+              <a:t>11/15/20</a:t>
             </a:fld>
             <a:endParaRPr lang="en-US"/>
           </a:p>
@@ -1629,7 +1634,7 @@
           <a:p>
             <a:fld id="{3B3400CD-7287-EA41-97B8-6C373A830532}" type="datetimeFigureOut">
               <a:rPr lang="en-US" smtClean="0"/>
-              <a:t>11/9/20</a:t>
+              <a:t>11/15/20</a:t>
             </a:fld>
             <a:endParaRPr lang="en-US"/>
           </a:p>
@@ -1835,7 +1840,7 @@
           <a:p>
             <a:fld id="{3B3400CD-7287-EA41-97B8-6C373A830532}" type="datetimeFigureOut">
               <a:rPr lang="en-US" smtClean="0"/>
-              <a:t>11/9/20</a:t>
+              <a:t>11/15/20</a:t>
             </a:fld>
             <a:endParaRPr lang="en-US"/>
           </a:p>
@@ -2110,7 +2115,7 @@
           <a:p>
             <a:fld id="{3B3400CD-7287-EA41-97B8-6C373A830532}" type="datetimeFigureOut">
               <a:rPr lang="en-US" smtClean="0"/>
-              <a:t>11/9/20</a:t>
+              <a:t>11/15/20</a:t>
             </a:fld>
             <a:endParaRPr lang="en-US"/>
           </a:p>
@@ -2375,7 +2380,7 @@
           <a:p>
             <a:fld id="{3B3400CD-7287-EA41-97B8-6C373A830532}" type="datetimeFigureOut">
               <a:rPr lang="en-US" smtClean="0"/>
-              <a:t>11/9/20</a:t>
+              <a:t>11/15/20</a:t>
             </a:fld>
             <a:endParaRPr lang="en-US"/>
           </a:p>
@@ -2787,7 +2792,7 @@
           <a:p>
             <a:fld id="{3B3400CD-7287-EA41-97B8-6C373A830532}" type="datetimeFigureOut">
               <a:rPr lang="en-US" smtClean="0"/>
-              <a:t>11/9/20</a:t>
+              <a:t>11/15/20</a:t>
             </a:fld>
             <a:endParaRPr lang="en-US"/>
           </a:p>
@@ -2928,7 +2933,7 @@
           <a:p>
             <a:fld id="{3B3400CD-7287-EA41-97B8-6C373A830532}" type="datetimeFigureOut">
               <a:rPr lang="en-US" smtClean="0"/>
-              <a:t>11/9/20</a:t>
+              <a:t>11/15/20</a:t>
             </a:fld>
             <a:endParaRPr lang="en-US"/>
           </a:p>
@@ -3041,7 +3046,7 @@
           <a:p>
             <a:fld id="{3B3400CD-7287-EA41-97B8-6C373A830532}" type="datetimeFigureOut">
               <a:rPr lang="en-US" smtClean="0"/>
-              <a:t>11/9/20</a:t>
+              <a:t>11/15/20</a:t>
             </a:fld>
             <a:endParaRPr lang="en-US"/>
           </a:p>
@@ -3352,7 +3357,7 @@
           <a:p>
             <a:fld id="{3B3400CD-7287-EA41-97B8-6C373A830532}" type="datetimeFigureOut">
               <a:rPr lang="en-US" smtClean="0"/>
-              <a:t>11/9/20</a:t>
+              <a:t>11/15/20</a:t>
             </a:fld>
             <a:endParaRPr lang="en-US"/>
           </a:p>
@@ -3643,7 +3648,7 @@
           <a:p>
             <a:fld id="{3B3400CD-7287-EA41-97B8-6C373A830532}" type="datetimeFigureOut">
               <a:rPr lang="en-US" smtClean="0"/>
-              <a:t>11/9/20</a:t>
+              <a:t>11/15/20</a:t>
             </a:fld>
             <a:endParaRPr lang="en-US"/>
           </a:p>
@@ -3886,7 +3891,7 @@
             <a:fld id="{3B3400CD-7287-EA41-97B8-6C373A830532}" type="datetimeFigureOut">
               <a:rPr lang="en-US" smtClean="0"/>
               <a:pPr/>
-              <a:t>11/9/20</a:t>
+              <a:t>11/15/20</a:t>
             </a:fld>
             <a:endParaRPr lang="en-US" dirty="0"/>
           </a:p>
@@ -4523,7 +4528,7 @@
           <p:cNvPr id="2" name="Title 1">
             <a:extLst>
               <a:ext uri="{FF2B5EF4-FFF2-40B4-BE49-F238E27FC236}">
-                <a16:creationId xmlns:a16="http://schemas.microsoft.com/office/drawing/2014/main" id="{61F5A0B9-A7D2-124C-8D56-46A979EBDF47}"/>
+                <a16:creationId xmlns:a16="http://schemas.microsoft.com/office/drawing/2014/main" id="{17B0D043-CE7E-5843-89D6-86CD27200B5B}"/>
               </a:ext>
             </a:extLst>
           </p:cNvPr>
@@ -4541,46 +4546,45 @@
           <a:p>
             <a:r>
               <a:rPr lang="en-US" dirty="0"/>
-              <a:t>Exp 8: GFP and ATP Long Controls</a:t>
-            </a:r>
-          </a:p>
-        </p:txBody>
-      </p:sp>
-      <p:sp>
-        <p:nvSpPr>
-          <p:cNvPr id="3" name="Text Placeholder 2">
-            <a:extLst>
-              <a:ext uri="{FF2B5EF4-FFF2-40B4-BE49-F238E27FC236}">
-                <a16:creationId xmlns:a16="http://schemas.microsoft.com/office/drawing/2014/main" id="{038DEFAC-95DF-C241-97ED-C01CC401F0AE}"/>
-              </a:ext>
-            </a:extLst>
-          </p:cNvPr>
-          <p:cNvSpPr>
-            <a:spLocks noGrp="1"/>
-          </p:cNvSpPr>
-          <p:nvPr>
-            <p:ph type="body" idx="1"/>
-          </p:nvPr>
-        </p:nvSpPr>
-        <p:spPr/>
-        <p:txBody>
-          <a:bodyPr/>
-          <a:lstStyle/>
-          <a:p>
-            <a:br>
-              <a:rPr lang="en-US" dirty="0"/>
-            </a:br>
-            <a:r>
-              <a:rPr lang="en-US" dirty="0"/>
-              <a:t>20201023_exp8_controls_gfp_atp</a:t>
-            </a:r>
-          </a:p>
-        </p:txBody>
-      </p:sp>
+              <a:t>Better plotting</a:t>
+            </a:r>
+          </a:p>
+        </p:txBody>
+      </p:sp>
+      <p:pic>
+        <p:nvPicPr>
+          <p:cNvPr id="4" name="Picture 3" descr="Chart&#10;&#10;Description automatically generated">
+            <a:extLst>
+              <a:ext uri="{FF2B5EF4-FFF2-40B4-BE49-F238E27FC236}">
+                <a16:creationId xmlns:a16="http://schemas.microsoft.com/office/drawing/2014/main" id="{337C8384-AA76-D048-9430-89EB21505CB8}"/>
+              </a:ext>
+            </a:extLst>
+          </p:cNvPr>
+          <p:cNvPicPr>
+            <a:picLocks noChangeAspect="1"/>
+          </p:cNvPicPr>
+          <p:nvPr/>
+        </p:nvPicPr>
+        <p:blipFill>
+          <a:blip r:embed="rId2"/>
+          <a:stretch>
+            <a:fillRect/>
+          </a:stretch>
+        </p:blipFill>
+        <p:spPr>
+          <a:xfrm>
+            <a:off x="1497989" y="1503232"/>
+            <a:ext cx="9196022" cy="4951704"/>
+          </a:xfrm>
+          <a:prstGeom prst="rect">
+            <a:avLst/>
+          </a:prstGeom>
+        </p:spPr>
+      </p:pic>
     </p:spTree>
     <p:extLst>
       <p:ext uri="{BB962C8B-B14F-4D97-AF65-F5344CB8AC3E}">
-        <p14:creationId xmlns:p14="http://schemas.microsoft.com/office/powerpoint/2010/main" val="883502292"/>
+        <p14:creationId xmlns:p14="http://schemas.microsoft.com/office/powerpoint/2010/main" val="2897029914"/>
       </p:ext>
     </p:extLst>
   </p:cSld>
@@ -4609,6 +4613,95 @@
       </p:grpSpPr>
       <p:sp>
         <p:nvSpPr>
+          <p:cNvPr id="2" name="Title 1">
+            <a:extLst>
+              <a:ext uri="{FF2B5EF4-FFF2-40B4-BE49-F238E27FC236}">
+                <a16:creationId xmlns:a16="http://schemas.microsoft.com/office/drawing/2014/main" id="{61F5A0B9-A7D2-124C-8D56-46A979EBDF47}"/>
+              </a:ext>
+            </a:extLst>
+          </p:cNvPr>
+          <p:cNvSpPr>
+            <a:spLocks noGrp="1"/>
+          </p:cNvSpPr>
+          <p:nvPr>
+            <p:ph type="title"/>
+          </p:nvPr>
+        </p:nvSpPr>
+        <p:spPr/>
+        <p:txBody>
+          <a:bodyPr/>
+          <a:lstStyle/>
+          <a:p>
+            <a:r>
+              <a:rPr lang="en-US" dirty="0"/>
+              <a:t>Exp 8: GFP and ATP Long Controls</a:t>
+            </a:r>
+          </a:p>
+        </p:txBody>
+      </p:sp>
+      <p:sp>
+        <p:nvSpPr>
+          <p:cNvPr id="3" name="Text Placeholder 2">
+            <a:extLst>
+              <a:ext uri="{FF2B5EF4-FFF2-40B4-BE49-F238E27FC236}">
+                <a16:creationId xmlns:a16="http://schemas.microsoft.com/office/drawing/2014/main" id="{038DEFAC-95DF-C241-97ED-C01CC401F0AE}"/>
+              </a:ext>
+            </a:extLst>
+          </p:cNvPr>
+          <p:cNvSpPr>
+            <a:spLocks noGrp="1"/>
+          </p:cNvSpPr>
+          <p:nvPr>
+            <p:ph type="body" idx="1"/>
+          </p:nvPr>
+        </p:nvSpPr>
+        <p:spPr/>
+        <p:txBody>
+          <a:bodyPr/>
+          <a:lstStyle/>
+          <a:p>
+            <a:br>
+              <a:rPr lang="en-US" dirty="0"/>
+            </a:br>
+            <a:r>
+              <a:rPr lang="en-US" dirty="0"/>
+              <a:t>20201023_exp8_controls_gfp_atp</a:t>
+            </a:r>
+          </a:p>
+        </p:txBody>
+      </p:sp>
+    </p:spTree>
+    <p:extLst>
+      <p:ext uri="{BB962C8B-B14F-4D97-AF65-F5344CB8AC3E}">
+        <p14:creationId xmlns:p14="http://schemas.microsoft.com/office/powerpoint/2010/main" val="883502292"/>
+      </p:ext>
+    </p:extLst>
+  </p:cSld>
+  <p:clrMapOvr>
+    <a:masterClrMapping/>
+  </p:clrMapOvr>
+</p:sld>
+</file>
+
+<file path=ppt/slides/slide13.xml><?xml version="1.0" encoding="utf-8"?>
+<p:sld xmlns:a="http://schemas.openxmlformats.org/drawingml/2006/main" xmlns:r="http://schemas.openxmlformats.org/officeDocument/2006/relationships" xmlns:p="http://schemas.openxmlformats.org/presentationml/2006/main">
+  <p:cSld>
+    <p:spTree>
+      <p:nvGrpSpPr>
+        <p:cNvPr id="1" name=""/>
+        <p:cNvGrpSpPr/>
+        <p:nvPr/>
+      </p:nvGrpSpPr>
+      <p:grpSpPr>
+        <a:xfrm>
+          <a:off x="0" y="0"/>
+          <a:ext cx="0" cy="0"/>
+          <a:chOff x="0" y="0"/>
+          <a:chExt cx="0" cy="0"/>
+        </a:xfrm>
+      </p:grpSpPr>
+      <p:sp>
+        <p:nvSpPr>
           <p:cNvPr id="6" name="TextBox 5">
             <a:extLst>
               <a:ext uri="{FF2B5EF4-FFF2-40B4-BE49-F238E27FC236}">
@@ -4622,7 +4715,7 @@
         <p:spPr>
           <a:xfrm>
             <a:off x="1351722" y="4273826"/>
-            <a:ext cx="2001354" cy="1200329"/>
+            <a:ext cx="2001354" cy="2308324"/>
           </a:xfrm>
           <a:prstGeom prst="rect">
             <a:avLst/>
@@ -4643,6 +4736,37 @@
               </a:rPr>
               <a:t>The last data point had bubbles (removed from graphs)</a:t>
             </a:r>
+          </a:p>
+          <a:p>
+            <a:endParaRPr lang="en-US" dirty="0">
+              <a:solidFill>
+                <a:srgbClr val="FF0000"/>
+              </a:solidFill>
+            </a:endParaRPr>
+          </a:p>
+          <a:p>
+            <a:r>
+              <a:rPr lang="en-US" dirty="0">
+                <a:solidFill>
+                  <a:srgbClr val="FF0000"/>
+                </a:solidFill>
+              </a:rPr>
+              <a:t>Also used fluorescence, which is wrong</a:t>
+            </a:r>
+            <a:r>
+              <a:rPr lang="en-US" dirty="0">
+                <a:solidFill>
+                  <a:srgbClr val="FF0000"/>
+                </a:solidFill>
+                <a:sym typeface="Wingdings" pitchFamily="2" charset="2"/>
+              </a:rPr>
+              <a:t></a:t>
+            </a:r>
+            <a:endParaRPr lang="en-US" dirty="0">
+              <a:solidFill>
+                <a:srgbClr val="FF0000"/>
+              </a:solidFill>
+            </a:endParaRPr>
           </a:p>
         </p:txBody>
       </p:sp>
@@ -4719,104 +4843,6 @@
 </p:sld>
 </file>
 
-<file path=ppt/slides/slide13.xml><?xml version="1.0" encoding="utf-8"?>
-<p:sld xmlns:a="http://schemas.openxmlformats.org/drawingml/2006/main" xmlns:r="http://schemas.openxmlformats.org/officeDocument/2006/relationships" xmlns:p="http://schemas.openxmlformats.org/presentationml/2006/main">
-  <p:cSld>
-    <p:spTree>
-      <p:nvGrpSpPr>
-        <p:cNvPr id="1" name=""/>
-        <p:cNvGrpSpPr/>
-        <p:nvPr/>
-      </p:nvGrpSpPr>
-      <p:grpSpPr>
-        <a:xfrm>
-          <a:off x="0" y="0"/>
-          <a:ext cx="0" cy="0"/>
-          <a:chOff x="0" y="0"/>
-          <a:chExt cx="0" cy="0"/>
-        </a:xfrm>
-      </p:grpSpPr>
-      <p:sp>
-        <p:nvSpPr>
-          <p:cNvPr id="2" name="Title 1">
-            <a:extLst>
-              <a:ext uri="{FF2B5EF4-FFF2-40B4-BE49-F238E27FC236}">
-                <a16:creationId xmlns:a16="http://schemas.microsoft.com/office/drawing/2014/main" id="{2C0F9DFB-E3E1-E344-9590-2247F25BEB83}"/>
-              </a:ext>
-            </a:extLst>
-          </p:cNvPr>
-          <p:cNvSpPr>
-            <a:spLocks noGrp="1"/>
-          </p:cNvSpPr>
-          <p:nvPr>
-            <p:ph type="title"/>
-          </p:nvPr>
-        </p:nvSpPr>
-        <p:spPr/>
-        <p:txBody>
-          <a:bodyPr/>
-          <a:lstStyle/>
-          <a:p>
-            <a:r>
-              <a:rPr lang="en-US" dirty="0"/>
-              <a:t>Exp 9: ATP Assay Calibration Round 2</a:t>
-            </a:r>
-          </a:p>
-        </p:txBody>
-      </p:sp>
-      <p:sp>
-        <p:nvSpPr>
-          <p:cNvPr id="3" name="Text Placeholder 2">
-            <a:extLst>
-              <a:ext uri="{FF2B5EF4-FFF2-40B4-BE49-F238E27FC236}">
-                <a16:creationId xmlns:a16="http://schemas.microsoft.com/office/drawing/2014/main" id="{2C0C5764-DEC4-D447-9C4B-281D8E606512}"/>
-              </a:ext>
-            </a:extLst>
-          </p:cNvPr>
-          <p:cNvSpPr>
-            <a:spLocks noGrp="1"/>
-          </p:cNvSpPr>
-          <p:nvPr>
-            <p:ph type="body" idx="1"/>
-          </p:nvPr>
-        </p:nvSpPr>
-        <p:spPr/>
-        <p:txBody>
-          <a:bodyPr/>
-          <a:lstStyle/>
-          <a:p>
-            <a:r>
-              <a:rPr lang="en-US" dirty="0"/>
-              <a:t>Done with luminescence</a:t>
-            </a:r>
-          </a:p>
-          <a:p>
-            <a:r>
-              <a:rPr lang="en-US" dirty="0"/>
-              <a:t>11/2/2020</a:t>
-            </a:r>
-          </a:p>
-          <a:p>
-            <a:r>
-              <a:rPr lang="en-US" dirty="0"/>
-              <a:t>20201102_exp9_atpassaycalibration_2</a:t>
-            </a:r>
-          </a:p>
-        </p:txBody>
-      </p:sp>
-    </p:spTree>
-    <p:extLst>
-      <p:ext uri="{BB962C8B-B14F-4D97-AF65-F5344CB8AC3E}">
-        <p14:creationId xmlns:p14="http://schemas.microsoft.com/office/powerpoint/2010/main" val="2194530129"/>
-      </p:ext>
-    </p:extLst>
-  </p:cSld>
-  <p:clrMapOvr>
-    <a:masterClrMapping/>
-  </p:clrMapOvr>
-</p:sld>
-</file>
-
 <file path=ppt/slides/slide14.xml><?xml version="1.0" encoding="utf-8"?>
 <p:sld xmlns:a="http://schemas.openxmlformats.org/drawingml/2006/main" xmlns:r="http://schemas.openxmlformats.org/officeDocument/2006/relationships" xmlns:p="http://schemas.openxmlformats.org/presentationml/2006/main">
   <p:cSld>
@@ -4839,7 +4865,7 @@
           <p:cNvPr id="2" name="Title 1">
             <a:extLst>
               <a:ext uri="{FF2B5EF4-FFF2-40B4-BE49-F238E27FC236}">
-                <a16:creationId xmlns:a16="http://schemas.microsoft.com/office/drawing/2014/main" id="{C8BD7C28-AE23-CC45-9CA1-54406D5ABC9A}"/>
+                <a16:creationId xmlns:a16="http://schemas.microsoft.com/office/drawing/2014/main" id="{2C0F9DFB-E3E1-E344-9590-2247F25BEB83}"/>
               </a:ext>
             </a:extLst>
           </p:cNvPr>
@@ -4855,14 +4881,57 @@
           <a:bodyPr/>
           <a:lstStyle/>
           <a:p>
-            <a:endParaRPr lang="en-US"/>
+            <a:r>
+              <a:rPr lang="en-US" dirty="0"/>
+              <a:t>Exp 9: ATP Assay Calibration Round 2</a:t>
+            </a:r>
+          </a:p>
+        </p:txBody>
+      </p:sp>
+      <p:sp>
+        <p:nvSpPr>
+          <p:cNvPr id="3" name="Text Placeholder 2">
+            <a:extLst>
+              <a:ext uri="{FF2B5EF4-FFF2-40B4-BE49-F238E27FC236}">
+                <a16:creationId xmlns:a16="http://schemas.microsoft.com/office/drawing/2014/main" id="{2C0C5764-DEC4-D447-9C4B-281D8E606512}"/>
+              </a:ext>
+            </a:extLst>
+          </p:cNvPr>
+          <p:cNvSpPr>
+            <a:spLocks noGrp="1"/>
+          </p:cNvSpPr>
+          <p:nvPr>
+            <p:ph type="body" idx="1"/>
+          </p:nvPr>
+        </p:nvSpPr>
+        <p:spPr/>
+        <p:txBody>
+          <a:bodyPr/>
+          <a:lstStyle/>
+          <a:p>
+            <a:r>
+              <a:rPr lang="en-US" dirty="0"/>
+              <a:t>Done with luminescence</a:t>
+            </a:r>
+          </a:p>
+          <a:p>
+            <a:r>
+              <a:rPr lang="en-US" dirty="0"/>
+              <a:t>11/2/2020</a:t>
+            </a:r>
+          </a:p>
+          <a:p>
+            <a:r>
+              <a:rPr lang="en-US" dirty="0"/>
+              <a:t>20201102_exp9_atpassaycalibration_2</a:t>
+            </a:r>
           </a:p>
         </p:txBody>
       </p:sp>
     </p:spTree>
     <p:extLst>
       <p:ext uri="{BB962C8B-B14F-4D97-AF65-F5344CB8AC3E}">
-        <p14:creationId xmlns:p14="http://schemas.microsoft.com/office/powerpoint/2010/main" val="762026286"/>
+        <p14:creationId xmlns:p14="http://schemas.microsoft.com/office/powerpoint/2010/main" val="2194530129"/>
       </p:ext>
     </p:extLst>
   </p:cSld>
@@ -4889,64 +4958,77 @@
           <a:chExt cx="0" cy="0"/>
         </a:xfrm>
       </p:grpSpPr>
-      <p:sp>
-        <p:nvSpPr>
-          <p:cNvPr id="2" name="Title 1">
-            <a:extLst>
-              <a:ext uri="{FF2B5EF4-FFF2-40B4-BE49-F238E27FC236}">
-                <a16:creationId xmlns:a16="http://schemas.microsoft.com/office/drawing/2014/main" id="{51B4514C-CFDB-1A45-85B8-19F403C3EE26}"/>
-              </a:ext>
-            </a:extLst>
-          </p:cNvPr>
-          <p:cNvSpPr>
-            <a:spLocks noGrp="1"/>
-          </p:cNvSpPr>
-          <p:nvPr>
-            <p:ph type="title"/>
-          </p:nvPr>
-        </p:nvSpPr>
-        <p:spPr/>
-        <p:txBody>
-          <a:bodyPr/>
-          <a:lstStyle/>
-          <a:p>
-            <a:r>
-              <a:rPr lang="en-US" dirty="0"/>
-              <a:t>Exp 10: ATP Control Round 2</a:t>
-            </a:r>
-          </a:p>
-        </p:txBody>
-      </p:sp>
-      <p:sp>
-        <p:nvSpPr>
-          <p:cNvPr id="3" name="Text Placeholder 2">
-            <a:extLst>
-              <a:ext uri="{FF2B5EF4-FFF2-40B4-BE49-F238E27FC236}">
-                <a16:creationId xmlns:a16="http://schemas.microsoft.com/office/drawing/2014/main" id="{F419DEFD-7FD0-7241-93D7-9FCE51871216}"/>
-              </a:ext>
-            </a:extLst>
-          </p:cNvPr>
-          <p:cNvSpPr>
-            <a:spLocks noGrp="1"/>
-          </p:cNvSpPr>
-          <p:nvPr>
-            <p:ph type="body" idx="1"/>
-          </p:nvPr>
-        </p:nvSpPr>
-        <p:spPr/>
-        <p:txBody>
-          <a:bodyPr/>
-          <a:lstStyle/>
-          <a:p>
-            <a:r>
-              <a:rPr lang="en-US" dirty="0"/>
-              <a:t>Done with luminescence this time!</a:t>
-            </a:r>
-          </a:p>
-          <a:p>
-            <a:r>
-              <a:rPr lang="en-US" dirty="0"/>
-              <a:t>20201103_exp10_controls_atp</a:t>
+      <p:pic>
+        <p:nvPicPr>
+          <p:cNvPr id="4" name="Picture 3" descr="Chart, scatter chart&#10;&#10;Description automatically generated">
+            <a:extLst>
+              <a:ext uri="{FF2B5EF4-FFF2-40B4-BE49-F238E27FC236}">
+                <a16:creationId xmlns:a16="http://schemas.microsoft.com/office/drawing/2014/main" id="{474C82E9-76A6-E143-A1AC-DE576BEAEDDA}"/>
+              </a:ext>
+            </a:extLst>
+          </p:cNvPr>
+          <p:cNvPicPr>
+            <a:picLocks noChangeAspect="1"/>
+          </p:cNvPicPr>
+          <p:nvPr/>
+        </p:nvPicPr>
+        <p:blipFill>
+          <a:blip r:embed="rId2"/>
+          <a:stretch>
+            <a:fillRect/>
+          </a:stretch>
+        </p:blipFill>
+        <p:spPr>
+          <a:xfrm>
+            <a:off x="218252" y="415611"/>
+            <a:ext cx="8683869" cy="5789246"/>
+          </a:xfrm>
+          <a:prstGeom prst="rect">
+            <a:avLst/>
+          </a:prstGeom>
+        </p:spPr>
+      </p:pic>
+      <p:sp>
+        <p:nvSpPr>
+          <p:cNvPr id="5" name="TextBox 4">
+            <a:extLst>
+              <a:ext uri="{FF2B5EF4-FFF2-40B4-BE49-F238E27FC236}">
+                <a16:creationId xmlns:a16="http://schemas.microsoft.com/office/drawing/2014/main" id="{0E7ABBD3-DA72-254F-ACD3-81275B1318A5}"/>
+              </a:ext>
+            </a:extLst>
+          </p:cNvPr>
+          <p:cNvSpPr txBox="1"/>
+          <p:nvPr/>
+        </p:nvSpPr>
+        <p:spPr>
+          <a:xfrm>
+            <a:off x="8509518" y="653143"/>
+            <a:ext cx="3682481" cy="646331"/>
+          </a:xfrm>
+          <a:prstGeom prst="rect">
+            <a:avLst/>
+          </a:prstGeom>
+          <a:noFill/>
+        </p:spPr>
+        <p:txBody>
+          <a:bodyPr wrap="square" rtlCol="0">
+            <a:spAutoFit/>
+          </a:bodyPr>
+          <a:lstStyle/>
+          <a:p>
+            <a:r>
+              <a:rPr lang="en-US" dirty="0">
+                <a:latin typeface="Avenir Book" panose="02000503020000020003" pitchFamily="2" charset="0"/>
+              </a:rPr>
+              <a:t>slope=1.2732601723574946, </a:t>
+            </a:r>
+          </a:p>
+          <a:p>
+            <a:r>
+              <a:rPr lang="en-US" dirty="0">
+                <a:latin typeface="Avenir Book" panose="02000503020000020003" pitchFamily="2" charset="0"/>
+              </a:rPr>
+              <a:t>intercept=-1.6966496369015145</a:t>
             </a:r>
           </a:p>
         </p:txBody>
@@ -4954,7 +5036,7 @@
     </p:spTree>
     <p:extLst>
       <p:ext uri="{BB962C8B-B14F-4D97-AF65-F5344CB8AC3E}">
-        <p14:creationId xmlns:p14="http://schemas.microsoft.com/office/powerpoint/2010/main" val="955133763"/>
+        <p14:creationId xmlns:p14="http://schemas.microsoft.com/office/powerpoint/2010/main" val="762026286"/>
       </p:ext>
     </p:extLst>
   </p:cSld>
@@ -4981,10 +5063,72 @@
           <a:chExt cx="0" cy="0"/>
         </a:xfrm>
       </p:grpSpPr>
+      <p:sp>
+        <p:nvSpPr>
+          <p:cNvPr id="2" name="Title 1">
+            <a:extLst>
+              <a:ext uri="{FF2B5EF4-FFF2-40B4-BE49-F238E27FC236}">
+                <a16:creationId xmlns:a16="http://schemas.microsoft.com/office/drawing/2014/main" id="{51B4514C-CFDB-1A45-85B8-19F403C3EE26}"/>
+              </a:ext>
+            </a:extLst>
+          </p:cNvPr>
+          <p:cNvSpPr>
+            <a:spLocks noGrp="1"/>
+          </p:cNvSpPr>
+          <p:nvPr>
+            <p:ph type="title"/>
+          </p:nvPr>
+        </p:nvSpPr>
+        <p:spPr/>
+        <p:txBody>
+          <a:bodyPr/>
+          <a:lstStyle/>
+          <a:p>
+            <a:r>
+              <a:rPr lang="en-US" dirty="0"/>
+              <a:t>Exp 10: ATP Control Round 2</a:t>
+            </a:r>
+          </a:p>
+        </p:txBody>
+      </p:sp>
+      <p:sp>
+        <p:nvSpPr>
+          <p:cNvPr id="3" name="Text Placeholder 2">
+            <a:extLst>
+              <a:ext uri="{FF2B5EF4-FFF2-40B4-BE49-F238E27FC236}">
+                <a16:creationId xmlns:a16="http://schemas.microsoft.com/office/drawing/2014/main" id="{F419DEFD-7FD0-7241-93D7-9FCE51871216}"/>
+              </a:ext>
+            </a:extLst>
+          </p:cNvPr>
+          <p:cNvSpPr>
+            <a:spLocks noGrp="1"/>
+          </p:cNvSpPr>
+          <p:nvPr>
+            <p:ph type="body" idx="1"/>
+          </p:nvPr>
+        </p:nvSpPr>
+        <p:spPr/>
+        <p:txBody>
+          <a:bodyPr/>
+          <a:lstStyle/>
+          <a:p>
+            <a:r>
+              <a:rPr lang="en-US" dirty="0"/>
+              <a:t>Done with luminescence this time!</a:t>
+            </a:r>
+          </a:p>
+          <a:p>
+            <a:r>
+              <a:rPr lang="en-US" dirty="0"/>
+              <a:t>20201103_exp10_controls_atp</a:t>
+            </a:r>
+          </a:p>
+        </p:txBody>
+      </p:sp>
     </p:spTree>
     <p:extLst>
       <p:ext uri="{BB962C8B-B14F-4D97-AF65-F5344CB8AC3E}">
-        <p14:creationId xmlns:p14="http://schemas.microsoft.com/office/powerpoint/2010/main" val="1318330343"/>
+        <p14:creationId xmlns:p14="http://schemas.microsoft.com/office/powerpoint/2010/main" val="955133763"/>
       </p:ext>
     </p:extLst>
   </p:cSld>
@@ -5011,66 +5155,71 @@
           <a:chExt cx="0" cy="0"/>
         </a:xfrm>
       </p:grpSpPr>
-      <p:sp>
-        <p:nvSpPr>
-          <p:cNvPr id="2" name="Title 1">
-            <a:extLst>
-              <a:ext uri="{FF2B5EF4-FFF2-40B4-BE49-F238E27FC236}">
-                <a16:creationId xmlns:a16="http://schemas.microsoft.com/office/drawing/2014/main" id="{48A7928A-0827-6C4F-BCD5-2DC016A09565}"/>
-              </a:ext>
-            </a:extLst>
-          </p:cNvPr>
-          <p:cNvSpPr>
-            <a:spLocks noGrp="1"/>
-          </p:cNvSpPr>
-          <p:nvPr>
-            <p:ph type="title"/>
-          </p:nvPr>
-        </p:nvSpPr>
-        <p:spPr/>
-        <p:txBody>
-          <a:bodyPr/>
-          <a:lstStyle/>
-          <a:p>
-            <a:r>
-              <a:rPr lang="en-US" dirty="0"/>
-              <a:t>Exp 11: ATP in Beginning</a:t>
-            </a:r>
-          </a:p>
-        </p:txBody>
-      </p:sp>
-      <p:sp>
-        <p:nvSpPr>
-          <p:cNvPr id="3" name="Text Placeholder 2">
-            <a:extLst>
-              <a:ext uri="{FF2B5EF4-FFF2-40B4-BE49-F238E27FC236}">
-                <a16:creationId xmlns:a16="http://schemas.microsoft.com/office/drawing/2014/main" id="{18766857-3634-E045-8459-56C4BA31F075}"/>
-              </a:ext>
-            </a:extLst>
-          </p:cNvPr>
-          <p:cNvSpPr>
-            <a:spLocks noGrp="1"/>
-          </p:cNvSpPr>
-          <p:nvPr>
-            <p:ph type="body" idx="1"/>
-          </p:nvPr>
-        </p:nvSpPr>
-        <p:spPr/>
-        <p:txBody>
-          <a:bodyPr/>
-          <a:lstStyle/>
-          <a:p>
-            <a:r>
-              <a:rPr lang="en-US" dirty="0"/>
-              <a:t>20201103_exp11_gfp_atpinbeg_timeseries</a:t>
-            </a:r>
-          </a:p>
-        </p:txBody>
-      </p:sp>
+      <p:pic>
+        <p:nvPicPr>
+          <p:cNvPr id="3" name="Picture 2" descr="Chart, line chart&#10;&#10;Description automatically generated">
+            <a:extLst>
+              <a:ext uri="{FF2B5EF4-FFF2-40B4-BE49-F238E27FC236}">
+                <a16:creationId xmlns:a16="http://schemas.microsoft.com/office/drawing/2014/main" id="{FD64DEF9-CB53-414F-82B7-E1098036D456}"/>
+              </a:ext>
+            </a:extLst>
+          </p:cNvPr>
+          <p:cNvPicPr>
+            <a:picLocks noChangeAspect="1"/>
+          </p:cNvPicPr>
+          <p:nvPr/>
+        </p:nvPicPr>
+        <p:blipFill>
+          <a:blip r:embed="rId2"/>
+          <a:stretch>
+            <a:fillRect/>
+          </a:stretch>
+        </p:blipFill>
+        <p:spPr>
+          <a:xfrm>
+            <a:off x="2362298" y="376699"/>
+            <a:ext cx="7467403" cy="6104602"/>
+          </a:xfrm>
+          <a:prstGeom prst="rect">
+            <a:avLst/>
+          </a:prstGeom>
+          <a:noFill/>
+        </p:spPr>
+      </p:pic>
+      <p:pic>
+        <p:nvPicPr>
+          <p:cNvPr id="6" name="Picture 5" descr="Chart, line chart&#10;&#10;Description automatically generated">
+            <a:extLst>
+              <a:ext uri="{FF2B5EF4-FFF2-40B4-BE49-F238E27FC236}">
+                <a16:creationId xmlns:a16="http://schemas.microsoft.com/office/drawing/2014/main" id="{536FBE91-DB88-8A41-94BE-6250B42523E4}"/>
+              </a:ext>
+            </a:extLst>
+          </p:cNvPr>
+          <p:cNvPicPr>
+            <a:picLocks noChangeAspect="1"/>
+          </p:cNvPicPr>
+          <p:nvPr/>
+        </p:nvPicPr>
+        <p:blipFill>
+          <a:blip r:embed="rId3"/>
+          <a:stretch>
+            <a:fillRect/>
+          </a:stretch>
+        </p:blipFill>
+        <p:spPr>
+          <a:xfrm>
+            <a:off x="139798" y="4057340"/>
+            <a:ext cx="4445000" cy="2222500"/>
+          </a:xfrm>
+          <a:prstGeom prst="rect">
+            <a:avLst/>
+          </a:prstGeom>
+        </p:spPr>
+      </p:pic>
     </p:spTree>
     <p:extLst>
       <p:ext uri="{BB962C8B-B14F-4D97-AF65-F5344CB8AC3E}">
-        <p14:creationId xmlns:p14="http://schemas.microsoft.com/office/powerpoint/2010/main" val="3540394520"/>
+        <p14:creationId xmlns:p14="http://schemas.microsoft.com/office/powerpoint/2010/main" val="1318330343"/>
       </p:ext>
     </p:extLst>
   </p:cSld>
@@ -5097,12 +5246,40 @@
           <a:chExt cx="0" cy="0"/>
         </a:xfrm>
       </p:grpSpPr>
+      <p:sp>
+        <p:nvSpPr>
+          <p:cNvPr id="5" name="Title 4">
+            <a:extLst>
+              <a:ext uri="{FF2B5EF4-FFF2-40B4-BE49-F238E27FC236}">
+                <a16:creationId xmlns:a16="http://schemas.microsoft.com/office/drawing/2014/main" id="{E806CFAA-5A3D-0645-AC76-B42430D5BDD5}"/>
+              </a:ext>
+            </a:extLst>
+          </p:cNvPr>
+          <p:cNvSpPr>
+            <a:spLocks noGrp="1"/>
+          </p:cNvSpPr>
+          <p:nvPr>
+            <p:ph type="title"/>
+          </p:nvPr>
+        </p:nvSpPr>
+        <p:spPr/>
+        <p:txBody>
+          <a:bodyPr/>
+          <a:lstStyle/>
+          <a:p>
+            <a:r>
+              <a:rPr lang="en-US" dirty="0"/>
+              <a:t>With ATP Conc</a:t>
+            </a:r>
+          </a:p>
+        </p:txBody>
+      </p:sp>
       <p:pic>
         <p:nvPicPr>
-          <p:cNvPr id="3" name="Picture 2" descr="Chart&#10;&#10;Description automatically generated">
-            <a:extLst>
-              <a:ext uri="{FF2B5EF4-FFF2-40B4-BE49-F238E27FC236}">
-                <a16:creationId xmlns:a16="http://schemas.microsoft.com/office/drawing/2014/main" id="{53859399-F444-434A-98B5-CD0D843E952A}"/>
+          <p:cNvPr id="7" name="Picture 6" descr="Chart, line chart&#10;&#10;Description automatically generated">
+            <a:extLst>
+              <a:ext uri="{FF2B5EF4-FFF2-40B4-BE49-F238E27FC236}">
+                <a16:creationId xmlns:a16="http://schemas.microsoft.com/office/drawing/2014/main" id="{21BFF21F-700B-B640-975D-FA2B6602A712}"/>
               </a:ext>
             </a:extLst>
           </p:cNvPr>
@@ -5119,57 +5296,18 @@
         </p:blipFill>
         <p:spPr>
           <a:xfrm>
-            <a:off x="1039586" y="800099"/>
-            <a:ext cx="9887494" cy="5324035"/>
+            <a:off x="3873500" y="2317750"/>
+            <a:ext cx="4445000" cy="2222500"/>
           </a:xfrm>
           <a:prstGeom prst="rect">
             <a:avLst/>
           </a:prstGeom>
         </p:spPr>
       </p:pic>
-      <p:sp>
-        <p:nvSpPr>
-          <p:cNvPr id="4" name="TextBox 3">
-            <a:extLst>
-              <a:ext uri="{FF2B5EF4-FFF2-40B4-BE49-F238E27FC236}">
-                <a16:creationId xmlns:a16="http://schemas.microsoft.com/office/drawing/2014/main" id="{AA84E416-C048-C147-9366-3306A900C9D2}"/>
-              </a:ext>
-            </a:extLst>
-          </p:cNvPr>
-          <p:cNvSpPr txBox="1"/>
-          <p:nvPr/>
-        </p:nvSpPr>
-        <p:spPr>
-          <a:xfrm>
-            <a:off x="388619" y="364534"/>
-            <a:ext cx="5983152" cy="369332"/>
-          </a:xfrm>
-          <a:prstGeom prst="rect">
-            <a:avLst/>
-          </a:prstGeom>
-          <a:noFill/>
-        </p:spPr>
-        <p:txBody>
-          <a:bodyPr wrap="square" rtlCol="0">
-            <a:spAutoFit/>
-          </a:bodyPr>
-          <a:lstStyle/>
-          <a:p>
-            <a:r>
-              <a:rPr lang="en-US" dirty="0">
-                <a:solidFill>
-                  <a:srgbClr val="FF0000"/>
-                </a:solidFill>
-              </a:rPr>
-              <a:t>This is bad data because volume was not consistent</a:t>
-            </a:r>
-          </a:p>
-        </p:txBody>
-      </p:sp>
     </p:spTree>
     <p:extLst>
       <p:ext uri="{BB962C8B-B14F-4D97-AF65-F5344CB8AC3E}">
-        <p14:creationId xmlns:p14="http://schemas.microsoft.com/office/powerpoint/2010/main" val="960817816"/>
+        <p14:creationId xmlns:p14="http://schemas.microsoft.com/office/powerpoint/2010/main" val="2151499558"/>
       </p:ext>
     </p:extLst>
   </p:cSld>
@@ -5201,7 +5339,7 @@
           <p:cNvPr id="2" name="Title 1">
             <a:extLst>
               <a:ext uri="{FF2B5EF4-FFF2-40B4-BE49-F238E27FC236}">
-                <a16:creationId xmlns:a16="http://schemas.microsoft.com/office/drawing/2014/main" id="{4DD51ADC-55E3-B749-BF89-CBDB0C1AA0F5}"/>
+                <a16:creationId xmlns:a16="http://schemas.microsoft.com/office/drawing/2014/main" id="{48A7928A-0827-6C4F-BCD5-2DC016A09565}"/>
               </a:ext>
             </a:extLst>
           </p:cNvPr>
@@ -5219,7 +5357,7 @@
           <a:p>
             <a:r>
               <a:rPr lang="en-US" dirty="0"/>
-              <a:t>Exp 12: Reagents in Beginning</a:t>
+              <a:t>Exp 11: ATP in Beginning</a:t>
             </a:r>
           </a:p>
         </p:txBody>
@@ -5229,7 +5367,7 @@
           <p:cNvPr id="3" name="Text Placeholder 2">
             <a:extLst>
               <a:ext uri="{FF2B5EF4-FFF2-40B4-BE49-F238E27FC236}">
-                <a16:creationId xmlns:a16="http://schemas.microsoft.com/office/drawing/2014/main" id="{1DA17A43-437E-944A-B474-CB9D49C85DD4}"/>
+                <a16:creationId xmlns:a16="http://schemas.microsoft.com/office/drawing/2014/main" id="{18766857-3634-E045-8459-56C4BA31F075}"/>
               </a:ext>
             </a:extLst>
           </p:cNvPr>
@@ -5247,7 +5385,7 @@
           <a:p>
             <a:r>
               <a:rPr lang="en-US" dirty="0"/>
-              <a:t>20201104_exp12_gfp_moreinbeg_timeseries</a:t>
+              <a:t>20201103_exp11_gfp_atpinbeg_timeseries</a:t>
             </a:r>
           </a:p>
         </p:txBody>
@@ -5255,7 +5393,7 @@
     </p:spTree>
     <p:extLst>
       <p:ext uri="{BB962C8B-B14F-4D97-AF65-F5344CB8AC3E}">
-        <p14:creationId xmlns:p14="http://schemas.microsoft.com/office/powerpoint/2010/main" val="2638938662"/>
+        <p14:creationId xmlns:p14="http://schemas.microsoft.com/office/powerpoint/2010/main" val="3540394520"/>
       </p:ext>
     </p:extLst>
   </p:cSld>
@@ -5381,10 +5519,10 @@
       </p:grpSpPr>
       <p:pic>
         <p:nvPicPr>
-          <p:cNvPr id="6" name="Picture 5" descr="Chart, line chart&#10;&#10;Description automatically generated">
-            <a:extLst>
-              <a:ext uri="{FF2B5EF4-FFF2-40B4-BE49-F238E27FC236}">
-                <a16:creationId xmlns:a16="http://schemas.microsoft.com/office/drawing/2014/main" id="{101365B1-0988-3F4F-8DE7-4FADE0EC6D1A}"/>
+          <p:cNvPr id="3" name="Picture 2" descr="Chart&#10;&#10;Description automatically generated">
+            <a:extLst>
+              <a:ext uri="{FF2B5EF4-FFF2-40B4-BE49-F238E27FC236}">
+                <a16:creationId xmlns:a16="http://schemas.microsoft.com/office/drawing/2014/main" id="{53859399-F444-434A-98B5-CD0D843E952A}"/>
               </a:ext>
             </a:extLst>
           </p:cNvPr>
@@ -5401,18 +5539,57 @@
         </p:blipFill>
         <p:spPr>
           <a:xfrm>
-            <a:off x="698500" y="1206500"/>
-            <a:ext cx="10795000" cy="4445000"/>
+            <a:off x="1039586" y="800099"/>
+            <a:ext cx="9887494" cy="5324035"/>
           </a:xfrm>
           <a:prstGeom prst="rect">
             <a:avLst/>
           </a:prstGeom>
         </p:spPr>
       </p:pic>
+      <p:sp>
+        <p:nvSpPr>
+          <p:cNvPr id="4" name="TextBox 3">
+            <a:extLst>
+              <a:ext uri="{FF2B5EF4-FFF2-40B4-BE49-F238E27FC236}">
+                <a16:creationId xmlns:a16="http://schemas.microsoft.com/office/drawing/2014/main" id="{AA84E416-C048-C147-9366-3306A900C9D2}"/>
+              </a:ext>
+            </a:extLst>
+          </p:cNvPr>
+          <p:cNvSpPr txBox="1"/>
+          <p:nvPr/>
+        </p:nvSpPr>
+        <p:spPr>
+          <a:xfrm>
+            <a:off x="388619" y="364534"/>
+            <a:ext cx="5983152" cy="369332"/>
+          </a:xfrm>
+          <a:prstGeom prst="rect">
+            <a:avLst/>
+          </a:prstGeom>
+          <a:noFill/>
+        </p:spPr>
+        <p:txBody>
+          <a:bodyPr wrap="square" rtlCol="0">
+            <a:spAutoFit/>
+          </a:bodyPr>
+          <a:lstStyle/>
+          <a:p>
+            <a:r>
+              <a:rPr lang="en-US" dirty="0">
+                <a:solidFill>
+                  <a:srgbClr val="FF0000"/>
+                </a:solidFill>
+              </a:rPr>
+              <a:t>This is bad data because volume was not consistent</a:t>
+            </a:r>
+          </a:p>
+        </p:txBody>
+      </p:sp>
     </p:spTree>
     <p:extLst>
       <p:ext uri="{BB962C8B-B14F-4D97-AF65-F5344CB8AC3E}">
-        <p14:creationId xmlns:p14="http://schemas.microsoft.com/office/powerpoint/2010/main" val="1018704990"/>
+        <p14:creationId xmlns:p14="http://schemas.microsoft.com/office/powerpoint/2010/main" val="960817816"/>
       </p:ext>
     </p:extLst>
   </p:cSld>
@@ -5439,40 +5616,66 @@
           <a:chExt cx="0" cy="0"/>
         </a:xfrm>
       </p:grpSpPr>
-      <p:pic>
-        <p:nvPicPr>
-          <p:cNvPr id="3" name="Picture 2" descr="Chart, scatter chart&#10;&#10;Description automatically generated">
-            <a:extLst>
-              <a:ext uri="{FF2B5EF4-FFF2-40B4-BE49-F238E27FC236}">
-                <a16:creationId xmlns:a16="http://schemas.microsoft.com/office/drawing/2014/main" id="{8AD0B8E4-A705-7349-88DC-9B5CC29096B3}"/>
-              </a:ext>
-            </a:extLst>
-          </p:cNvPr>
-          <p:cNvPicPr>
-            <a:picLocks noChangeAspect="1"/>
-          </p:cNvPicPr>
-          <p:nvPr/>
-        </p:nvPicPr>
-        <p:blipFill>
-          <a:blip r:embed="rId2"/>
-          <a:stretch>
-            <a:fillRect/>
-          </a:stretch>
-        </p:blipFill>
-        <p:spPr>
-          <a:xfrm>
-            <a:off x="2784584" y="448725"/>
-            <a:ext cx="6622832" cy="5960549"/>
-          </a:xfrm>
-          <a:prstGeom prst="rect">
-            <a:avLst/>
-          </a:prstGeom>
-        </p:spPr>
-      </p:pic>
+      <p:sp>
+        <p:nvSpPr>
+          <p:cNvPr id="2" name="Title 1">
+            <a:extLst>
+              <a:ext uri="{FF2B5EF4-FFF2-40B4-BE49-F238E27FC236}">
+                <a16:creationId xmlns:a16="http://schemas.microsoft.com/office/drawing/2014/main" id="{4DD51ADC-55E3-B749-BF89-CBDB0C1AA0F5}"/>
+              </a:ext>
+            </a:extLst>
+          </p:cNvPr>
+          <p:cNvSpPr>
+            <a:spLocks noGrp="1"/>
+          </p:cNvSpPr>
+          <p:nvPr>
+            <p:ph type="title"/>
+          </p:nvPr>
+        </p:nvSpPr>
+        <p:spPr/>
+        <p:txBody>
+          <a:bodyPr/>
+          <a:lstStyle/>
+          <a:p>
+            <a:r>
+              <a:rPr lang="en-US" dirty="0"/>
+              <a:t>Exp 12: Reagents in Beginning</a:t>
+            </a:r>
+          </a:p>
+        </p:txBody>
+      </p:sp>
+      <p:sp>
+        <p:nvSpPr>
+          <p:cNvPr id="3" name="Text Placeholder 2">
+            <a:extLst>
+              <a:ext uri="{FF2B5EF4-FFF2-40B4-BE49-F238E27FC236}">
+                <a16:creationId xmlns:a16="http://schemas.microsoft.com/office/drawing/2014/main" id="{1DA17A43-437E-944A-B474-CB9D49C85DD4}"/>
+              </a:ext>
+            </a:extLst>
+          </p:cNvPr>
+          <p:cNvSpPr>
+            <a:spLocks noGrp="1"/>
+          </p:cNvSpPr>
+          <p:nvPr>
+            <p:ph type="body" idx="1"/>
+          </p:nvPr>
+        </p:nvSpPr>
+        <p:spPr/>
+        <p:txBody>
+          <a:bodyPr/>
+          <a:lstStyle/>
+          <a:p>
+            <a:r>
+              <a:rPr lang="en-US" dirty="0"/>
+              <a:t>20201104_exp12_gfp_moreinbeg_timeseries</a:t>
+            </a:r>
+          </a:p>
+        </p:txBody>
+      </p:sp>
     </p:spTree>
     <p:extLst>
       <p:ext uri="{BB962C8B-B14F-4D97-AF65-F5344CB8AC3E}">
-        <p14:creationId xmlns:p14="http://schemas.microsoft.com/office/powerpoint/2010/main" val="2366463321"/>
+        <p14:creationId xmlns:p14="http://schemas.microsoft.com/office/powerpoint/2010/main" val="2638938662"/>
       </p:ext>
     </p:extLst>
   </p:cSld>
@@ -5499,75 +5702,109 @@
           <a:chExt cx="0" cy="0"/>
         </a:xfrm>
       </p:grpSpPr>
-      <p:sp>
-        <p:nvSpPr>
-          <p:cNvPr id="2" name="Title 1">
-            <a:extLst>
-              <a:ext uri="{FF2B5EF4-FFF2-40B4-BE49-F238E27FC236}">
-                <a16:creationId xmlns:a16="http://schemas.microsoft.com/office/drawing/2014/main" id="{4988F265-3EA2-2C48-ADD8-7ADFED7634AA}"/>
-              </a:ext>
-            </a:extLst>
-          </p:cNvPr>
-          <p:cNvSpPr>
-            <a:spLocks noGrp="1"/>
-          </p:cNvSpPr>
-          <p:nvPr>
-            <p:ph type="title"/>
-          </p:nvPr>
-        </p:nvSpPr>
-        <p:spPr/>
-        <p:txBody>
-          <a:bodyPr/>
-          <a:lstStyle/>
-          <a:p>
-            <a:r>
-              <a:rPr lang="en-US" dirty="0"/>
-              <a:t>Exp 13: Spike Experiments</a:t>
-            </a:r>
-          </a:p>
-        </p:txBody>
-      </p:sp>
-      <p:sp>
-        <p:nvSpPr>
-          <p:cNvPr id="3" name="Text Placeholder 2">
-            <a:extLst>
-              <a:ext uri="{FF2B5EF4-FFF2-40B4-BE49-F238E27FC236}">
-                <a16:creationId xmlns:a16="http://schemas.microsoft.com/office/drawing/2014/main" id="{99B650ED-B940-904C-A259-8CC12C9C5227}"/>
-              </a:ext>
-            </a:extLst>
-          </p:cNvPr>
-          <p:cNvSpPr>
-            <a:spLocks noGrp="1"/>
-          </p:cNvSpPr>
-          <p:nvPr>
-            <p:ph type="body" idx="1"/>
-          </p:nvPr>
-        </p:nvSpPr>
-        <p:spPr/>
-        <p:txBody>
-          <a:bodyPr/>
-          <a:lstStyle/>
-          <a:p>
-            <a:r>
-              <a:rPr lang="en-US" dirty="0"/>
-              <a:t>20201106_exp13_gfp_spike</a:t>
-            </a:r>
-          </a:p>
-          <a:p>
-            <a:r>
-              <a:rPr lang="en-US" dirty="0"/>
-              <a:t>20201107_exp13_gfp_post_spike</a:t>
-            </a:r>
-          </a:p>
-          <a:p>
-            <a:endParaRPr lang="en-US" dirty="0"/>
+      <p:pic>
+        <p:nvPicPr>
+          <p:cNvPr id="6" name="Picture 5" descr="Chart, line chart&#10;&#10;Description automatically generated">
+            <a:extLst>
+              <a:ext uri="{FF2B5EF4-FFF2-40B4-BE49-F238E27FC236}">
+                <a16:creationId xmlns:a16="http://schemas.microsoft.com/office/drawing/2014/main" id="{101365B1-0988-3F4F-8DE7-4FADE0EC6D1A}"/>
+              </a:ext>
+            </a:extLst>
+          </p:cNvPr>
+          <p:cNvPicPr>
+            <a:picLocks noChangeAspect="1"/>
+          </p:cNvPicPr>
+          <p:nvPr/>
+        </p:nvPicPr>
+        <p:blipFill>
+          <a:blip r:embed="rId2"/>
+          <a:stretch>
+            <a:fillRect/>
+          </a:stretch>
+        </p:blipFill>
+        <p:spPr>
+          <a:xfrm>
+            <a:off x="698500" y="1206500"/>
+            <a:ext cx="10795000" cy="4445000"/>
+          </a:xfrm>
+          <a:prstGeom prst="rect">
+            <a:avLst/>
+          </a:prstGeom>
+        </p:spPr>
+      </p:pic>
+      <p:pic>
+        <p:nvPicPr>
+          <p:cNvPr id="3" name="Picture 2" descr="Chart&#10;&#10;Description automatically generated">
+            <a:extLst>
+              <a:ext uri="{FF2B5EF4-FFF2-40B4-BE49-F238E27FC236}">
+                <a16:creationId xmlns:a16="http://schemas.microsoft.com/office/drawing/2014/main" id="{1CD44D77-8426-164B-A401-758EEEB451B1}"/>
+              </a:ext>
+            </a:extLst>
+          </p:cNvPr>
+          <p:cNvPicPr>
+            <a:picLocks noChangeAspect="1"/>
+          </p:cNvPicPr>
+          <p:nvPr/>
+        </p:nvPicPr>
+        <p:blipFill>
+          <a:blip r:embed="rId3"/>
+          <a:stretch>
+            <a:fillRect/>
+          </a:stretch>
+        </p:blipFill>
+        <p:spPr>
+          <a:xfrm>
+            <a:off x="1968500" y="1206500"/>
+            <a:ext cx="8255000" cy="4445000"/>
+          </a:xfrm>
+          <a:prstGeom prst="rect">
+            <a:avLst/>
+          </a:prstGeom>
+        </p:spPr>
+      </p:pic>
+      <p:sp>
+        <p:nvSpPr>
+          <p:cNvPr id="2" name="TextBox 1">
+            <a:extLst>
+              <a:ext uri="{FF2B5EF4-FFF2-40B4-BE49-F238E27FC236}">
+                <a16:creationId xmlns:a16="http://schemas.microsoft.com/office/drawing/2014/main" id="{3BA5F188-F5C7-BB47-AEDD-8589DB325C82}"/>
+              </a:ext>
+            </a:extLst>
+          </p:cNvPr>
+          <p:cNvSpPr txBox="1"/>
+          <p:nvPr/>
+        </p:nvSpPr>
+        <p:spPr>
+          <a:xfrm>
+            <a:off x="1686560" y="5651500"/>
+            <a:ext cx="8101898" cy="369332"/>
+          </a:xfrm>
+          <a:prstGeom prst="rect">
+            <a:avLst/>
+          </a:prstGeom>
+          <a:noFill/>
+        </p:spPr>
+        <p:txBody>
+          <a:bodyPr wrap="none" rtlCol="0">
+            <a:spAutoFit/>
+          </a:bodyPr>
+          <a:lstStyle/>
+          <a:p>
+            <a:r>
+              <a:rPr lang="en-US" dirty="0">
+                <a:solidFill>
+                  <a:srgbClr val="FF0000"/>
+                </a:solidFill>
+              </a:rPr>
+              <a:t>Seems weird since positive control doesn’t go to 4000, which I think it normally does</a:t>
+            </a:r>
           </a:p>
         </p:txBody>
       </p:sp>
     </p:spTree>
     <p:extLst>
       <p:ext uri="{BB962C8B-B14F-4D97-AF65-F5344CB8AC3E}">
-        <p14:creationId xmlns:p14="http://schemas.microsoft.com/office/powerpoint/2010/main" val="3340935602"/>
+        <p14:creationId xmlns:p14="http://schemas.microsoft.com/office/powerpoint/2010/main" val="1018704990"/>
       </p:ext>
     </p:extLst>
   </p:cSld>
@@ -5594,47 +5831,12 @@
           <a:chExt cx="0" cy="0"/>
         </a:xfrm>
       </p:grpSpPr>
-      <p:sp>
-        <p:nvSpPr>
-          <p:cNvPr id="2" name="Title 1">
-            <a:extLst>
-              <a:ext uri="{FF2B5EF4-FFF2-40B4-BE49-F238E27FC236}">
-                <a16:creationId xmlns:a16="http://schemas.microsoft.com/office/drawing/2014/main" id="{9BBA4E7E-AD98-ED43-8F35-580F23D3E5B2}"/>
-              </a:ext>
-            </a:extLst>
-          </p:cNvPr>
-          <p:cNvSpPr>
-            <a:spLocks noGrp="1"/>
-          </p:cNvSpPr>
-          <p:nvPr>
-            <p:ph type="title"/>
-          </p:nvPr>
-        </p:nvSpPr>
-        <p:spPr>
-          <a:xfrm>
-            <a:off x="160282" y="0"/>
-            <a:ext cx="10515600" cy="1325563"/>
-          </a:xfrm>
-        </p:spPr>
-        <p:txBody>
-          <a:bodyPr>
-            <a:normAutofit/>
-          </a:bodyPr>
-          <a:lstStyle/>
-          <a:p>
-            <a:r>
-              <a:rPr lang="en-US" sz="3800" dirty="0"/>
-              <a:t>Pre Spike</a:t>
-            </a:r>
-          </a:p>
-        </p:txBody>
-      </p:sp>
       <p:pic>
         <p:nvPicPr>
-          <p:cNvPr id="6" name="Picture 5" descr="Chart&#10;&#10;Description automatically generated">
-            <a:extLst>
-              <a:ext uri="{FF2B5EF4-FFF2-40B4-BE49-F238E27FC236}">
-                <a16:creationId xmlns:a16="http://schemas.microsoft.com/office/drawing/2014/main" id="{ED45BC4D-093B-2B4D-94F8-02DBF6A684E3}"/>
+          <p:cNvPr id="3" name="Picture 2" descr="Chart, scatter chart&#10;&#10;Description automatically generated">
+            <a:extLst>
+              <a:ext uri="{FF2B5EF4-FFF2-40B4-BE49-F238E27FC236}">
+                <a16:creationId xmlns:a16="http://schemas.microsoft.com/office/drawing/2014/main" id="{8AD0B8E4-A705-7349-88DC-9B5CC29096B3}"/>
               </a:ext>
             </a:extLst>
           </p:cNvPr>
@@ -5651,18 +5853,73 @@
         </p:blipFill>
         <p:spPr>
           <a:xfrm>
-            <a:off x="698500" y="1206500"/>
-            <a:ext cx="10795000" cy="4445000"/>
+            <a:off x="2784584" y="448725"/>
+            <a:ext cx="6622832" cy="5960549"/>
           </a:xfrm>
           <a:prstGeom prst="rect">
             <a:avLst/>
           </a:prstGeom>
         </p:spPr>
       </p:pic>
+      <p:sp>
+        <p:nvSpPr>
+          <p:cNvPr id="2" name="TextBox 1">
+            <a:extLst>
+              <a:ext uri="{FF2B5EF4-FFF2-40B4-BE49-F238E27FC236}">
+                <a16:creationId xmlns:a16="http://schemas.microsoft.com/office/drawing/2014/main" id="{4898305C-618E-4744-B440-ACF8082C4CB5}"/>
+              </a:ext>
+            </a:extLst>
+          </p:cNvPr>
+          <p:cNvSpPr txBox="1"/>
+          <p:nvPr/>
+        </p:nvSpPr>
+        <p:spPr>
+          <a:xfrm>
+            <a:off x="778129" y="937913"/>
+            <a:ext cx="2006455" cy="646331"/>
+          </a:xfrm>
+          <a:prstGeom prst="rect">
+            <a:avLst/>
+          </a:prstGeom>
+          <a:noFill/>
+        </p:spPr>
+        <p:txBody>
+          <a:bodyPr wrap="square" rtlCol="0">
+            <a:spAutoFit/>
+          </a:bodyPr>
+          <a:lstStyle/>
+          <a:p>
+            <a:r>
+              <a:rPr lang="en-US" sz="1200" dirty="0">
+                <a:solidFill>
+                  <a:srgbClr val="FF0000"/>
+                </a:solidFill>
+              </a:rPr>
+              <a:t>Data in raw </a:t>
+            </a:r>
+            <a:r>
+              <a:rPr lang="en-US" sz="1200" dirty="0" err="1">
+                <a:solidFill>
+                  <a:srgbClr val="FF0000"/>
+                </a:solidFill>
+              </a:rPr>
+              <a:t>lum</a:t>
+            </a:r>
+            <a:r>
+              <a:rPr lang="en-US" sz="1200" dirty="0">
+                <a:solidFill>
+                  <a:srgbClr val="FF0000"/>
+                </a:solidFill>
+              </a:rPr>
+              <a:t> values but doesn’t matter because not that accurate</a:t>
+            </a:r>
+          </a:p>
+        </p:txBody>
+      </p:sp>
     </p:spTree>
     <p:extLst>
       <p:ext uri="{BB962C8B-B14F-4D97-AF65-F5344CB8AC3E}">
-        <p14:creationId xmlns:p14="http://schemas.microsoft.com/office/powerpoint/2010/main" val="2496250546"/>
+        <p14:creationId xmlns:p14="http://schemas.microsoft.com/office/powerpoint/2010/main" val="2366463321"/>
       </p:ext>
     </p:extLst>
   </p:cSld>
@@ -5694,6 +5951,226 @@
           <p:cNvPr id="2" name="Title 1">
             <a:extLst>
               <a:ext uri="{FF2B5EF4-FFF2-40B4-BE49-F238E27FC236}">
+                <a16:creationId xmlns:a16="http://schemas.microsoft.com/office/drawing/2014/main" id="{4988F265-3EA2-2C48-ADD8-7ADFED7634AA}"/>
+              </a:ext>
+            </a:extLst>
+          </p:cNvPr>
+          <p:cNvSpPr>
+            <a:spLocks noGrp="1"/>
+          </p:cNvSpPr>
+          <p:nvPr>
+            <p:ph type="title"/>
+          </p:nvPr>
+        </p:nvSpPr>
+        <p:spPr/>
+        <p:txBody>
+          <a:bodyPr/>
+          <a:lstStyle/>
+          <a:p>
+            <a:r>
+              <a:rPr lang="en-US" dirty="0"/>
+              <a:t>Exp 13: Spike Experiments</a:t>
+            </a:r>
+          </a:p>
+        </p:txBody>
+      </p:sp>
+      <p:sp>
+        <p:nvSpPr>
+          <p:cNvPr id="3" name="Text Placeholder 2">
+            <a:extLst>
+              <a:ext uri="{FF2B5EF4-FFF2-40B4-BE49-F238E27FC236}">
+                <a16:creationId xmlns:a16="http://schemas.microsoft.com/office/drawing/2014/main" id="{99B650ED-B940-904C-A259-8CC12C9C5227}"/>
+              </a:ext>
+            </a:extLst>
+          </p:cNvPr>
+          <p:cNvSpPr>
+            <a:spLocks noGrp="1"/>
+          </p:cNvSpPr>
+          <p:nvPr>
+            <p:ph type="body" idx="1"/>
+          </p:nvPr>
+        </p:nvSpPr>
+        <p:spPr/>
+        <p:txBody>
+          <a:bodyPr/>
+          <a:lstStyle/>
+          <a:p>
+            <a:r>
+              <a:rPr lang="en-US" dirty="0"/>
+              <a:t>20201106_exp13_gfp_spike</a:t>
+            </a:r>
+          </a:p>
+          <a:p>
+            <a:r>
+              <a:rPr lang="en-US" dirty="0"/>
+              <a:t>20201107_exp13_gfp_post_spike</a:t>
+            </a:r>
+          </a:p>
+          <a:p>
+            <a:endParaRPr lang="en-US" dirty="0"/>
+          </a:p>
+        </p:txBody>
+      </p:sp>
+    </p:spTree>
+    <p:extLst>
+      <p:ext uri="{BB962C8B-B14F-4D97-AF65-F5344CB8AC3E}">
+        <p14:creationId xmlns:p14="http://schemas.microsoft.com/office/powerpoint/2010/main" val="3340935602"/>
+      </p:ext>
+    </p:extLst>
+  </p:cSld>
+  <p:clrMapOvr>
+    <a:masterClrMapping/>
+  </p:clrMapOvr>
+</p:sld>
+</file>
+
+<file path=ppt/slides/slide25.xml><?xml version="1.0" encoding="utf-8"?>
+<p:sld xmlns:a="http://schemas.openxmlformats.org/drawingml/2006/main" xmlns:r="http://schemas.openxmlformats.org/officeDocument/2006/relationships" xmlns:p="http://schemas.openxmlformats.org/presentationml/2006/main">
+  <p:cSld>
+    <p:spTree>
+      <p:nvGrpSpPr>
+        <p:cNvPr id="1" name=""/>
+        <p:cNvGrpSpPr/>
+        <p:nvPr/>
+      </p:nvGrpSpPr>
+      <p:grpSpPr>
+        <a:xfrm>
+          <a:off x="0" y="0"/>
+          <a:ext cx="0" cy="0"/>
+          <a:chOff x="0" y="0"/>
+          <a:chExt cx="0" cy="0"/>
+        </a:xfrm>
+      </p:grpSpPr>
+      <p:sp>
+        <p:nvSpPr>
+          <p:cNvPr id="2" name="Title 1">
+            <a:extLst>
+              <a:ext uri="{FF2B5EF4-FFF2-40B4-BE49-F238E27FC236}">
+                <a16:creationId xmlns:a16="http://schemas.microsoft.com/office/drawing/2014/main" id="{9BBA4E7E-AD98-ED43-8F35-580F23D3E5B2}"/>
+              </a:ext>
+            </a:extLst>
+          </p:cNvPr>
+          <p:cNvSpPr>
+            <a:spLocks noGrp="1"/>
+          </p:cNvSpPr>
+          <p:nvPr>
+            <p:ph type="title"/>
+          </p:nvPr>
+        </p:nvSpPr>
+        <p:spPr>
+          <a:xfrm>
+            <a:off x="160282" y="0"/>
+            <a:ext cx="10515600" cy="1325563"/>
+          </a:xfrm>
+        </p:spPr>
+        <p:txBody>
+          <a:bodyPr>
+            <a:normAutofit/>
+          </a:bodyPr>
+          <a:lstStyle/>
+          <a:p>
+            <a:r>
+              <a:rPr lang="en-US" sz="3800" dirty="0"/>
+              <a:t>Pre Spike</a:t>
+            </a:r>
+          </a:p>
+        </p:txBody>
+      </p:sp>
+      <p:pic>
+        <p:nvPicPr>
+          <p:cNvPr id="6" name="Picture 5" descr="Chart&#10;&#10;Description automatically generated">
+            <a:extLst>
+              <a:ext uri="{FF2B5EF4-FFF2-40B4-BE49-F238E27FC236}">
+                <a16:creationId xmlns:a16="http://schemas.microsoft.com/office/drawing/2014/main" id="{ED45BC4D-093B-2B4D-94F8-02DBF6A684E3}"/>
+              </a:ext>
+            </a:extLst>
+          </p:cNvPr>
+          <p:cNvPicPr>
+            <a:picLocks noChangeAspect="1"/>
+          </p:cNvPicPr>
+          <p:nvPr/>
+        </p:nvPicPr>
+        <p:blipFill>
+          <a:blip r:embed="rId2"/>
+          <a:stretch>
+            <a:fillRect/>
+          </a:stretch>
+        </p:blipFill>
+        <p:spPr>
+          <a:xfrm>
+            <a:off x="698500" y="1206500"/>
+            <a:ext cx="10795000" cy="4445000"/>
+          </a:xfrm>
+          <a:prstGeom prst="rect">
+            <a:avLst/>
+          </a:prstGeom>
+        </p:spPr>
+      </p:pic>
+      <p:pic>
+        <p:nvPicPr>
+          <p:cNvPr id="7" name="Picture 6" descr="Chart&#10;&#10;Description automatically generated">
+            <a:extLst>
+              <a:ext uri="{FF2B5EF4-FFF2-40B4-BE49-F238E27FC236}">
+                <a16:creationId xmlns:a16="http://schemas.microsoft.com/office/drawing/2014/main" id="{86E5BA0A-57F9-4442-84D8-93E05D2BE202}"/>
+              </a:ext>
+            </a:extLst>
+          </p:cNvPr>
+          <p:cNvPicPr>
+            <a:picLocks noChangeAspect="1"/>
+          </p:cNvPicPr>
+          <p:nvPr/>
+        </p:nvPicPr>
+        <p:blipFill>
+          <a:blip r:embed="rId3"/>
+          <a:stretch>
+            <a:fillRect/>
+          </a:stretch>
+        </p:blipFill>
+        <p:spPr>
+          <a:xfrm>
+            <a:off x="1333500" y="1206500"/>
+            <a:ext cx="9525000" cy="4445000"/>
+          </a:xfrm>
+          <a:prstGeom prst="rect">
+            <a:avLst/>
+          </a:prstGeom>
+        </p:spPr>
+      </p:pic>
+    </p:spTree>
+    <p:extLst>
+      <p:ext uri="{BB962C8B-B14F-4D97-AF65-F5344CB8AC3E}">
+        <p14:creationId xmlns:p14="http://schemas.microsoft.com/office/powerpoint/2010/main" val="2496250546"/>
+      </p:ext>
+    </p:extLst>
+  </p:cSld>
+  <p:clrMapOvr>
+    <a:masterClrMapping/>
+  </p:clrMapOvr>
+</p:sld>
+</file>
+
+<file path=ppt/slides/slide26.xml><?xml version="1.0" encoding="utf-8"?>
+<p:sld xmlns:a="http://schemas.openxmlformats.org/drawingml/2006/main" xmlns:r="http://schemas.openxmlformats.org/officeDocument/2006/relationships" xmlns:p="http://schemas.openxmlformats.org/presentationml/2006/main">
+  <p:cSld>
+    <p:spTree>
+      <p:nvGrpSpPr>
+        <p:cNvPr id="1" name=""/>
+        <p:cNvGrpSpPr/>
+        <p:nvPr/>
+      </p:nvGrpSpPr>
+      <p:grpSpPr>
+        <a:xfrm>
+          <a:off x="0" y="0"/>
+          <a:ext cx="0" cy="0"/>
+          <a:chOff x="0" y="0"/>
+          <a:chExt cx="0" cy="0"/>
+        </a:xfrm>
+      </p:grpSpPr>
+      <p:sp>
+        <p:nvSpPr>
+          <p:cNvPr id="2" name="Title 1">
+            <a:extLst>
+              <a:ext uri="{FF2B5EF4-FFF2-40B4-BE49-F238E27FC236}">
                 <a16:creationId xmlns:a16="http://schemas.microsoft.com/office/drawing/2014/main" id="{4A85FC60-10F6-DB40-A271-E4D7D9F15D5C}"/>
               </a:ext>
             </a:extLst>
@@ -5717,10 +6194,364 @@
           </a:p>
         </p:txBody>
       </p:sp>
+      <p:pic>
+        <p:nvPicPr>
+          <p:cNvPr id="3" name="Picture 2" descr="Chart&#10;&#10;Description automatically generated">
+            <a:extLst>
+              <a:ext uri="{FF2B5EF4-FFF2-40B4-BE49-F238E27FC236}">
+                <a16:creationId xmlns:a16="http://schemas.microsoft.com/office/drawing/2014/main" id="{D98A24F5-5FF9-2E44-A701-D8904C355F55}"/>
+              </a:ext>
+            </a:extLst>
+          </p:cNvPr>
+          <p:cNvPicPr>
+            <a:picLocks noChangeAspect="1"/>
+          </p:cNvPicPr>
+          <p:nvPr/>
+        </p:nvPicPr>
+        <p:blipFill>
+          <a:blip r:embed="rId2"/>
+          <a:stretch>
+            <a:fillRect/>
+          </a:stretch>
+        </p:blipFill>
+        <p:spPr>
+          <a:xfrm>
+            <a:off x="1333500" y="1206500"/>
+            <a:ext cx="9525000" cy="4445000"/>
+          </a:xfrm>
+          <a:prstGeom prst="rect">
+            <a:avLst/>
+          </a:prstGeom>
+        </p:spPr>
+      </p:pic>
     </p:spTree>
     <p:extLst>
       <p:ext uri="{BB962C8B-B14F-4D97-AF65-F5344CB8AC3E}">
         <p14:creationId xmlns:p14="http://schemas.microsoft.com/office/powerpoint/2010/main" val="600640930"/>
+      </p:ext>
+    </p:extLst>
+  </p:cSld>
+  <p:clrMapOvr>
+    <a:masterClrMapping/>
+  </p:clrMapOvr>
+</p:sld>
+</file>
+
+<file path=ppt/slides/slide27.xml><?xml version="1.0" encoding="utf-8"?>
+<p:sld xmlns:a="http://schemas.openxmlformats.org/drawingml/2006/main" xmlns:r="http://schemas.openxmlformats.org/officeDocument/2006/relationships" xmlns:p="http://schemas.openxmlformats.org/presentationml/2006/main">
+  <p:cSld>
+    <p:spTree>
+      <p:nvGrpSpPr>
+        <p:cNvPr id="1" name=""/>
+        <p:cNvGrpSpPr/>
+        <p:nvPr/>
+      </p:nvGrpSpPr>
+      <p:grpSpPr>
+        <a:xfrm>
+          <a:off x="0" y="0"/>
+          <a:ext cx="0" cy="0"/>
+          <a:chOff x="0" y="0"/>
+          <a:chExt cx="0" cy="0"/>
+        </a:xfrm>
+      </p:grpSpPr>
+      <p:sp>
+        <p:nvSpPr>
+          <p:cNvPr id="2" name="Title 1">
+            <a:extLst>
+              <a:ext uri="{FF2B5EF4-FFF2-40B4-BE49-F238E27FC236}">
+                <a16:creationId xmlns:a16="http://schemas.microsoft.com/office/drawing/2014/main" id="{0FD77CAB-59BE-7A45-A6F3-D6727C6ABC77}"/>
+              </a:ext>
+            </a:extLst>
+          </p:cNvPr>
+          <p:cNvSpPr>
+            <a:spLocks noGrp="1"/>
+          </p:cNvSpPr>
+          <p:nvPr>
+            <p:ph type="title"/>
+          </p:nvPr>
+        </p:nvSpPr>
+        <p:spPr/>
+        <p:txBody>
+          <a:bodyPr/>
+          <a:lstStyle/>
+          <a:p>
+            <a:r>
+              <a:rPr lang="en-US" dirty="0"/>
+              <a:t>ATP End Point Values</a:t>
+            </a:r>
+          </a:p>
+        </p:txBody>
+      </p:sp>
+      <p:pic>
+        <p:nvPicPr>
+          <p:cNvPr id="4" name="Picture 3" descr="Chart, scatter chart&#10;&#10;Description automatically generated">
+            <a:extLst>
+              <a:ext uri="{FF2B5EF4-FFF2-40B4-BE49-F238E27FC236}">
+                <a16:creationId xmlns:a16="http://schemas.microsoft.com/office/drawing/2014/main" id="{71401574-7350-7845-85F1-A58AA3012814}"/>
+              </a:ext>
+            </a:extLst>
+          </p:cNvPr>
+          <p:cNvPicPr>
+            <a:picLocks noChangeAspect="1"/>
+          </p:cNvPicPr>
+          <p:nvPr/>
+        </p:nvPicPr>
+        <p:blipFill>
+          <a:blip r:embed="rId2"/>
+          <a:stretch>
+            <a:fillRect/>
+          </a:stretch>
+        </p:blipFill>
+        <p:spPr>
+          <a:xfrm>
+            <a:off x="4508500" y="2000250"/>
+            <a:ext cx="3175000" cy="2857500"/>
+          </a:xfrm>
+          <a:prstGeom prst="rect">
+            <a:avLst/>
+          </a:prstGeom>
+        </p:spPr>
+      </p:pic>
+    </p:spTree>
+    <p:extLst>
+      <p:ext uri="{BB962C8B-B14F-4D97-AF65-F5344CB8AC3E}">
+        <p14:creationId xmlns:p14="http://schemas.microsoft.com/office/powerpoint/2010/main" val="1560999471"/>
+      </p:ext>
+    </p:extLst>
+  </p:cSld>
+  <p:clrMapOvr>
+    <a:masterClrMapping/>
+  </p:clrMapOvr>
+</p:sld>
+</file>
+
+<file path=ppt/slides/slide28.xml><?xml version="1.0" encoding="utf-8"?>
+<p:sld xmlns:a="http://schemas.openxmlformats.org/drawingml/2006/main" xmlns:r="http://schemas.openxmlformats.org/officeDocument/2006/relationships" xmlns:p="http://schemas.openxmlformats.org/presentationml/2006/main">
+  <p:cSld>
+    <p:spTree>
+      <p:nvGrpSpPr>
+        <p:cNvPr id="1" name=""/>
+        <p:cNvGrpSpPr/>
+        <p:nvPr/>
+      </p:nvGrpSpPr>
+      <p:grpSpPr>
+        <a:xfrm>
+          <a:off x="0" y="0"/>
+          <a:ext cx="0" cy="0"/>
+          <a:chOff x="0" y="0"/>
+          <a:chExt cx="0" cy="0"/>
+        </a:xfrm>
+      </p:grpSpPr>
+      <p:sp>
+        <p:nvSpPr>
+          <p:cNvPr id="2" name="Title 1">
+            <a:extLst>
+              <a:ext uri="{FF2B5EF4-FFF2-40B4-BE49-F238E27FC236}">
+                <a16:creationId xmlns:a16="http://schemas.microsoft.com/office/drawing/2014/main" id="{20FFD94B-499C-4D4F-82B6-367BAA68E123}"/>
+              </a:ext>
+            </a:extLst>
+          </p:cNvPr>
+          <p:cNvSpPr>
+            <a:spLocks noGrp="1"/>
+          </p:cNvSpPr>
+          <p:nvPr>
+            <p:ph type="title"/>
+          </p:nvPr>
+        </p:nvSpPr>
+        <p:spPr/>
+        <p:txBody>
+          <a:bodyPr/>
+          <a:lstStyle/>
+          <a:p>
+            <a:r>
+              <a:rPr lang="en-US" dirty="0"/>
+              <a:t>With Better Labels</a:t>
+            </a:r>
+          </a:p>
+        </p:txBody>
+      </p:sp>
+      <p:pic>
+        <p:nvPicPr>
+          <p:cNvPr id="4" name="Picture 3" descr="Chart&#10;&#10;Description automatically generated">
+            <a:extLst>
+              <a:ext uri="{FF2B5EF4-FFF2-40B4-BE49-F238E27FC236}">
+                <a16:creationId xmlns:a16="http://schemas.microsoft.com/office/drawing/2014/main" id="{DC0C6764-078C-1A4E-96F9-5F9DFCD7644B}"/>
+              </a:ext>
+            </a:extLst>
+          </p:cNvPr>
+          <p:cNvPicPr>
+            <a:picLocks noChangeAspect="1"/>
+          </p:cNvPicPr>
+          <p:nvPr/>
+        </p:nvPicPr>
+        <p:blipFill>
+          <a:blip r:embed="rId2"/>
+          <a:stretch>
+            <a:fillRect/>
+          </a:stretch>
+        </p:blipFill>
+        <p:spPr>
+          <a:xfrm>
+            <a:off x="1333500" y="1206500"/>
+            <a:ext cx="9525000" cy="4445000"/>
+          </a:xfrm>
+          <a:prstGeom prst="rect">
+            <a:avLst/>
+          </a:prstGeom>
+        </p:spPr>
+      </p:pic>
+      <p:pic>
+        <p:nvPicPr>
+          <p:cNvPr id="6" name="Picture 5" descr="Chart&#10;&#10;Description automatically generated">
+            <a:extLst>
+              <a:ext uri="{FF2B5EF4-FFF2-40B4-BE49-F238E27FC236}">
+                <a16:creationId xmlns:a16="http://schemas.microsoft.com/office/drawing/2014/main" id="{D53C957D-48F7-4241-B23B-626D3A20EEBE}"/>
+              </a:ext>
+            </a:extLst>
+          </p:cNvPr>
+          <p:cNvPicPr>
+            <a:picLocks noChangeAspect="1"/>
+          </p:cNvPicPr>
+          <p:nvPr/>
+        </p:nvPicPr>
+        <p:blipFill>
+          <a:blip r:embed="rId3"/>
+          <a:stretch>
+            <a:fillRect/>
+          </a:stretch>
+        </p:blipFill>
+        <p:spPr>
+          <a:xfrm>
+            <a:off x="1483500" y="1356500"/>
+            <a:ext cx="9525000" cy="4445000"/>
+          </a:xfrm>
+          <a:prstGeom prst="rect">
+            <a:avLst/>
+          </a:prstGeom>
+        </p:spPr>
+      </p:pic>
+    </p:spTree>
+    <p:extLst>
+      <p:ext uri="{BB962C8B-B14F-4D97-AF65-F5344CB8AC3E}">
+        <p14:creationId xmlns:p14="http://schemas.microsoft.com/office/powerpoint/2010/main" val="594512911"/>
+      </p:ext>
+    </p:extLst>
+  </p:cSld>
+  <p:clrMapOvr>
+    <a:masterClrMapping/>
+  </p:clrMapOvr>
+</p:sld>
+</file>
+
+<file path=ppt/slides/slide29.xml><?xml version="1.0" encoding="utf-8"?>
+<p:sld xmlns:a="http://schemas.openxmlformats.org/drawingml/2006/main" xmlns:r="http://schemas.openxmlformats.org/officeDocument/2006/relationships" xmlns:p="http://schemas.openxmlformats.org/presentationml/2006/main">
+  <p:cSld>
+    <p:spTree>
+      <p:nvGrpSpPr>
+        <p:cNvPr id="1" name=""/>
+        <p:cNvGrpSpPr/>
+        <p:nvPr/>
+      </p:nvGrpSpPr>
+      <p:grpSpPr>
+        <a:xfrm>
+          <a:off x="0" y="0"/>
+          <a:ext cx="0" cy="0"/>
+          <a:chOff x="0" y="0"/>
+          <a:chExt cx="0" cy="0"/>
+        </a:xfrm>
+      </p:grpSpPr>
+      <p:sp>
+        <p:nvSpPr>
+          <p:cNvPr id="2" name="Title 1">
+            <a:extLst>
+              <a:ext uri="{FF2B5EF4-FFF2-40B4-BE49-F238E27FC236}">
+                <a16:creationId xmlns:a16="http://schemas.microsoft.com/office/drawing/2014/main" id="{7DC2D7A1-0D91-CE45-B89C-4AF4079AE995}"/>
+              </a:ext>
+            </a:extLst>
+          </p:cNvPr>
+          <p:cNvSpPr>
+            <a:spLocks noGrp="1"/>
+          </p:cNvSpPr>
+          <p:nvPr>
+            <p:ph type="title"/>
+          </p:nvPr>
+        </p:nvSpPr>
+        <p:spPr/>
+        <p:txBody>
+          <a:bodyPr/>
+          <a:lstStyle/>
+          <a:p>
+            <a:r>
+              <a:rPr lang="en-US" dirty="0"/>
+              <a:t>Summary Plot, compare pre and post spike</a:t>
+            </a:r>
+          </a:p>
+        </p:txBody>
+      </p:sp>
+      <p:pic>
+        <p:nvPicPr>
+          <p:cNvPr id="6" name="Picture 5" descr="Chart, scatter chart&#10;&#10;Description automatically generated">
+            <a:extLst>
+              <a:ext uri="{FF2B5EF4-FFF2-40B4-BE49-F238E27FC236}">
+                <a16:creationId xmlns:a16="http://schemas.microsoft.com/office/drawing/2014/main" id="{CC710DC3-09C0-9049-92A5-B58C8ADC42B5}"/>
+              </a:ext>
+            </a:extLst>
+          </p:cNvPr>
+          <p:cNvPicPr>
+            <a:picLocks noChangeAspect="1"/>
+          </p:cNvPicPr>
+          <p:nvPr/>
+        </p:nvPicPr>
+        <p:blipFill>
+          <a:blip r:embed="rId2"/>
+          <a:stretch>
+            <a:fillRect/>
+          </a:stretch>
+        </p:blipFill>
+        <p:spPr>
+          <a:xfrm>
+            <a:off x="2921000" y="1153886"/>
+            <a:ext cx="5702904" cy="5132614"/>
+          </a:xfrm>
+          <a:prstGeom prst="rect">
+            <a:avLst/>
+          </a:prstGeom>
+        </p:spPr>
+      </p:pic>
+      <p:pic>
+        <p:nvPicPr>
+          <p:cNvPr id="8" name="Picture 7" descr="Chart, scatter chart&#10;&#10;Description automatically generated">
+            <a:extLst>
+              <a:ext uri="{FF2B5EF4-FFF2-40B4-BE49-F238E27FC236}">
+                <a16:creationId xmlns:a16="http://schemas.microsoft.com/office/drawing/2014/main" id="{202D122D-7A23-B74D-B9DD-6E2547CFFC63}"/>
+              </a:ext>
+            </a:extLst>
+          </p:cNvPr>
+          <p:cNvPicPr>
+            <a:picLocks noChangeAspect="1"/>
+          </p:cNvPicPr>
+          <p:nvPr/>
+        </p:nvPicPr>
+        <p:blipFill>
+          <a:blip r:embed="rId3"/>
+          <a:stretch>
+            <a:fillRect/>
+          </a:stretch>
+        </p:blipFill>
+        <p:spPr>
+          <a:xfrm>
+            <a:off x="3071000" y="1458686"/>
+            <a:ext cx="5530904" cy="4977814"/>
+          </a:xfrm>
+          <a:prstGeom prst="rect">
+            <a:avLst/>
+          </a:prstGeom>
+        </p:spPr>
+      </p:pic>
+    </p:spTree>
+    <p:extLst>
+      <p:ext uri="{BB962C8B-B14F-4D97-AF65-F5344CB8AC3E}">
+        <p14:creationId xmlns:p14="http://schemas.microsoft.com/office/powerpoint/2010/main" val="3101763470"/>
       </p:ext>
     </p:extLst>
   </p:cSld>
